--- a/Info/00_Intro.pptx
+++ b/Info/00_Intro.pptx
@@ -260,7 +260,7 @@
             <a:fld id="{06EAAA8B-8A33-714F-B3A4-08A75FDC36E6}" type="datetimeFigureOut">
               <a:rPr lang="en-US" smtClean="0"/>
               <a:pPr/>
-              <a:t>12/10/19</a:t>
+              <a:t>9/28/20</a:t>
             </a:fld>
             <a:endParaRPr lang="en-US"/>
           </a:p>
@@ -427,7 +427,7 @@
             <a:fld id="{050F0499-AE52-4672-879B-3107B2FC2A9F}" type="datetimeFigureOut">
               <a:rPr lang="ko-KR" altLang="en-US" smtClean="0"/>
               <a:pPr/>
-              <a:t>2019. 12. 10.</a:t>
+              <a:t>2020. 9. 28.</a:t>
             </a:fld>
             <a:endParaRPr lang="ko-KR" altLang="en-US"/>
           </a:p>
@@ -3414,7 +3414,7 @@
             <a:pPr lvl="1"/>
             <a:r>
               <a:rPr lang="en-US" dirty="0"/>
-              <a:t>Where you have to work</a:t>
+              <a:t>Where you must work</a:t>
             </a:r>
           </a:p>
           <a:p>
@@ -3445,18 +3445,10 @@
           <a:p>
             <a:r>
               <a:rPr lang="en-US" dirty="0"/>
-              <a:t>We will work using a simple </a:t>
+              <a:t>We will work using a simple git </a:t>
             </a:r>
             <a:r>
               <a:rPr lang="en-US" dirty="0" err="1"/>
-              <a:t>git</a:t>
-            </a:r>
-            <a:r>
-              <a:rPr lang="en-US" dirty="0"/>
-              <a:t> </a:t>
-            </a:r>
-            <a:r>
-              <a:rPr lang="en-US"/>
               <a:t>branch+up-stream</a:t>
             </a:r>
             <a:r>
@@ -18748,7 +18740,15 @@
           <a:p>
             <a:r>
               <a:rPr lang="en-US" dirty="0"/>
-              <a:t>Use issue board to track your progress</a:t>
+              <a:t>Use </a:t>
+            </a:r>
+            <a:r>
+              <a:rPr lang="en-US" dirty="0" err="1"/>
+              <a:t>kanban</a:t>
+            </a:r>
+            <a:r>
+              <a:rPr lang="en-US" dirty="0"/>
+              <a:t>/issue boards to track your issues/progress</a:t>
             </a:r>
           </a:p>
         </p:txBody>
@@ -19671,7 +19671,7 @@
             <a:pPr lvl="1"/>
             <a:r>
               <a:rPr lang="en-US" dirty="0"/>
-              <a:t>Source code if the hacking </a:t>
+              <a:t>Source code in the hacking </a:t>
             </a:r>
             <a:br>
               <a:rPr lang="en-US" dirty="0"/>

--- a/Info/00_Intro.pptx
+++ b/Info/00_Intro.pptx
@@ -5,10 +5,10 @@
     <p:sldMasterId id="2147483678" r:id="rId1"/>
   </p:sldMasterIdLst>
   <p:notesMasterIdLst>
-    <p:notesMasterId r:id="rId21"/>
+    <p:notesMasterId r:id="rId23"/>
   </p:notesMasterIdLst>
   <p:handoutMasterIdLst>
-    <p:handoutMasterId r:id="rId22"/>
+    <p:handoutMasterId r:id="rId24"/>
   </p:handoutMasterIdLst>
   <p:sldIdLst>
     <p:sldId id="257" r:id="rId2"/>
@@ -26,10 +26,12 @@
     <p:sldId id="261" r:id="rId14"/>
     <p:sldId id="272" r:id="rId15"/>
     <p:sldId id="268" r:id="rId16"/>
-    <p:sldId id="275" r:id="rId17"/>
-    <p:sldId id="271" r:id="rId18"/>
-    <p:sldId id="269" r:id="rId19"/>
-    <p:sldId id="270" r:id="rId20"/>
+    <p:sldId id="276" r:id="rId17"/>
+    <p:sldId id="275" r:id="rId18"/>
+    <p:sldId id="271" r:id="rId19"/>
+    <p:sldId id="269" r:id="rId20"/>
+    <p:sldId id="270" r:id="rId21"/>
+    <p:sldId id="277" r:id="rId22"/>
   </p:sldIdLst>
   <p:sldSz cx="9144000" cy="6858000" type="screen4x3"/>
   <p:notesSz cx="6797675" cy="9928225"/>
@@ -260,7 +262,7 @@
             <a:fld id="{06EAAA8B-8A33-714F-B3A4-08A75FDC36E6}" type="datetimeFigureOut">
               <a:rPr lang="en-US" smtClean="0"/>
               <a:pPr/>
-              <a:t>9/28/20</a:t>
+              <a:t>9/6/21</a:t>
             </a:fld>
             <a:endParaRPr lang="en-US"/>
           </a:p>
@@ -327,7 +329,7 @@
             <a:fld id="{31B43DBC-F9BC-3749-A699-79D58F96D20F}" type="slidenum">
               <a:rPr lang="en-US" smtClean="0"/>
               <a:pPr/>
-              <a:t>‹#›</a:t>
+              <a:t>‹Nº›</a:t>
             </a:fld>
             <a:endParaRPr lang="en-US"/>
           </a:p>
@@ -427,7 +429,7 @@
             <a:fld id="{050F0499-AE52-4672-879B-3107B2FC2A9F}" type="datetimeFigureOut">
               <a:rPr lang="ko-KR" altLang="en-US" smtClean="0"/>
               <a:pPr/>
-              <a:t>2020. 9. 28.</a:t>
+              <a:t>2021. 9. 6.</a:t>
             </a:fld>
             <a:endParaRPr lang="ko-KR" altLang="en-US"/>
           </a:p>
@@ -462,7 +464,7 @@
           <a:bodyPr vert="horz" lIns="91433" tIns="45717" rIns="91433" bIns="45717" rtlCol="0" anchor="ctr"/>
           <a:lstStyle/>
           <a:p>
-            <a:endParaRPr lang="en-US" altLang="ko-KR" noProof="0" dirty="0"/>
+            <a:endParaRPr lang="en-US" altLang="ko-KR" noProof="0"/>
           </a:p>
         </p:txBody>
       </p:sp>
@@ -527,7 +529,7 @@
             <a:fld id="{E9CED1A8-8C93-4BD0-9402-1D92621696DA}" type="slidenum">
               <a:rPr lang="ko-KR" altLang="en-US" smtClean="0"/>
               <a:pPr/>
-              <a:t>‹#›</a:t>
+              <a:t>‹Nº›</a:t>
             </a:fld>
             <a:endParaRPr lang="ko-KR" altLang="en-US"/>
           </a:p>
@@ -877,30 +879,30 @@
           <a:lstStyle/>
           <a:p>
             <a:r>
-              <a:rPr lang="en-US" dirty="0"/>
+              <a:rPr lang="en-US"/>
               <a:t>Follow https://www.vagrantup.com/docs/virtualbox/boxes.html to update </a:t>
             </a:r>
             <a:r>
-              <a:rPr lang="en-US" dirty="0" err="1"/>
+              <a:rPr lang="en-US" err="1"/>
               <a:t>VirtualBox</a:t>
             </a:r>
             <a:r>
-              <a:rPr lang="en-US" baseline="0" dirty="0"/>
+              <a:rPr lang="en-US" baseline="0"/>
               <a:t> </a:t>
             </a:r>
             <a:r>
-              <a:rPr lang="en-US" baseline="0" dirty="0" err="1"/>
+              <a:rPr lang="en-US" baseline="0" err="1"/>
               <a:t>utils</a:t>
             </a:r>
             <a:r>
-              <a:rPr lang="en-US" baseline="0" dirty="0"/>
+              <a:rPr lang="en-US" baseline="0"/>
               <a:t> if there is there is version </a:t>
             </a:r>
             <a:r>
-              <a:rPr lang="en-US" baseline="0" dirty="0" err="1"/>
+              <a:rPr lang="en-US" baseline="0" err="1"/>
               <a:t>missmatch</a:t>
             </a:r>
-            <a:endParaRPr lang="en-US" dirty="0"/>
+            <a:endParaRPr lang="en-US"/>
           </a:p>
         </p:txBody>
       </p:sp>
@@ -1650,7 +1652,7 @@
               <a:rPr lang="es-ES" altLang="ko-KR"/>
               <a:t>AOS@UC</a:t>
             </a:r>
-            <a:endParaRPr lang="en-US" altLang="ko-KR" dirty="0"/>
+            <a:endParaRPr lang="en-US" altLang="ko-KR"/>
           </a:p>
         </p:txBody>
       </p:sp>
@@ -1692,7 +1694,7 @@
               <a:pPr>
                 <a:defRPr/>
               </a:pPr>
-              <a:t>‹#›</a:t>
+              <a:t>‹Nº›</a:t>
             </a:fld>
             <a:r>
               <a:rPr lang="en-US" altLang="ko-KR"/>
@@ -1744,7 +1746,7 @@
               <a:defRPr/>
             </a:pPr>
             <a:r>
-              <a:rPr kumimoji="1" lang="en-US" altLang="ko-KR"/>
+              <a:rPr kumimoji="1" lang="en-US" altLang="ko-KR" dirty="0"/>
               <a:t>Valentin Puente</a:t>
             </a:r>
             <a:endParaRPr kumimoji="1" lang="ko-KR" altLang="en-US" dirty="0"/>
@@ -2020,7 +2022,7 @@
               <a:pPr>
                 <a:defRPr/>
               </a:pPr>
-              <a:t>‹#›</a:t>
+              <a:t>‹Nº›</a:t>
             </a:fld>
             <a:r>
               <a:rPr lang="en-US" altLang="ko-KR">
@@ -2082,7 +2084,7 @@
               </a:rPr>
               <a:t>Valentin Puente</a:t>
             </a:r>
-            <a:endParaRPr kumimoji="1" lang="ko-KR" altLang="en-US" dirty="0">
+            <a:endParaRPr kumimoji="1" lang="ko-KR" altLang="en-US">
               <a:solidFill>
                 <a:prstClr val="black"/>
               </a:solidFill>
@@ -2247,7 +2249,7 @@
           <a:lstStyle/>
           <a:p>
             <a:pPr algn="ctr"/>
-            <a:endParaRPr lang="ko-KR" altLang="en-US" sz="1600" dirty="0">
+            <a:endParaRPr lang="ko-KR" altLang="en-US" sz="1600">
               <a:solidFill>
                 <a:srgbClr val="00B050"/>
               </a:solidFill>
@@ -2526,7 +2528,7 @@
                 </a:spcAft>
                 <a:defRPr/>
               </a:pPr>
-              <a:t>‹#›</a:t>
+              <a:t>‹Nº›</a:t>
             </a:fld>
             <a:endParaRPr kumimoji="1" lang="en-US" altLang="ko-KR">
               <a:solidFill>
@@ -2585,7 +2587,7 @@
               </a:rPr>
               <a:t>Valentin Puente</a:t>
             </a:r>
-            <a:endParaRPr kumimoji="1" lang="ko-KR" altLang="en-US" dirty="0">
+            <a:endParaRPr kumimoji="1" lang="ko-KR" altLang="en-US">
               <a:solidFill>
                 <a:prstClr val="black"/>
               </a:solidFill>
@@ -2635,7 +2637,7 @@
           <a:lstStyle/>
           <a:p>
             <a:pPr algn="ctr"/>
-            <a:endParaRPr lang="ko-KR" altLang="en-US" sz="1600" dirty="0">
+            <a:endParaRPr lang="ko-KR" altLang="en-US" sz="1600">
               <a:solidFill>
                 <a:srgbClr val="00B050"/>
               </a:solidFill>
@@ -2688,7 +2690,7 @@
           <a:lstStyle/>
           <a:p>
             <a:pPr algn="ctr"/>
-            <a:endParaRPr lang="ko-KR" altLang="en-US" sz="1600" dirty="0">
+            <a:endParaRPr lang="ko-KR" altLang="en-US" sz="1600">
               <a:solidFill>
                 <a:srgbClr val="00B050"/>
               </a:solidFill>
@@ -2715,7 +2717,7 @@
   <p:transition>
     <p:zoom/>
   </p:transition>
-  <p:hf hdr="0"/>
+  <p:hf hdr="0" ftr="0"/>
   <p:txStyles>
     <p:titleStyle>
       <a:lvl1pPr algn="l" rtl="0" eaLnBrk="1" fontAlgn="base" latinLnBrk="0" hangingPunct="0">
@@ -3196,14 +3198,14 @@
               <a:t>Lab</a:t>
             </a:r>
             <a:r>
-              <a:rPr lang="es-ES_tradnl" dirty="0"/>
+              <a:rPr lang="es-ES_tradnl"/>
               <a:t> </a:t>
             </a:r>
             <a:r>
-              <a:rPr lang="es-ES_tradnl" dirty="0" err="1"/>
+              <a:rPr lang="es-ES_tradnl" err="1"/>
               <a:t>intro</a:t>
             </a:r>
-            <a:endParaRPr lang="en-US" dirty="0"/>
+            <a:endParaRPr lang="en-US"/>
           </a:p>
         </p:txBody>
       </p:sp>
@@ -3231,22 +3233,22 @@
           <a:p>
             <a:pPr algn="ctr"/>
             <a:r>
-              <a:rPr lang="en-US" dirty="0" err="1"/>
+              <a:rPr lang="en-US" err="1"/>
               <a:t>www.ce.unican.es</a:t>
             </a:r>
-            <a:endParaRPr lang="en-US" dirty="0"/>
+            <a:endParaRPr lang="en-US"/>
           </a:p>
           <a:p>
             <a:pPr algn="ctr"/>
             <a:r>
-              <a:rPr lang="en-US" dirty="0" err="1"/>
+              <a:rPr lang="en-US" err="1"/>
               <a:t>vpuente@unican.es</a:t>
             </a:r>
-            <a:endParaRPr lang="en-US" dirty="0"/>
+            <a:endParaRPr lang="en-US"/>
           </a:p>
           <a:p>
             <a:pPr algn="ctr"/>
-            <a:endParaRPr lang="en-US" dirty="0"/>
+            <a:endParaRPr lang="en-US"/>
           </a:p>
         </p:txBody>
       </p:sp>
@@ -3328,18 +3330,18 @@
           <a:lstStyle/>
           <a:p>
             <a:r>
-              <a:rPr lang="es-ES_tradnl" dirty="0" err="1"/>
+              <a:rPr lang="es-ES_tradnl" err="1"/>
               <a:t>Lab</a:t>
             </a:r>
             <a:r>
-              <a:rPr lang="es-ES_tradnl" dirty="0"/>
+              <a:rPr lang="es-ES_tradnl"/>
               <a:t> </a:t>
             </a:r>
             <a:r>
-              <a:rPr lang="es-ES_tradnl" dirty="0" err="1"/>
+              <a:rPr lang="es-ES_tradnl" err="1"/>
               <a:t>work</a:t>
             </a:r>
-            <a:endParaRPr lang="en-US" dirty="0"/>
+            <a:endParaRPr lang="en-US"/>
           </a:p>
         </p:txBody>
       </p:sp>
@@ -3359,22 +3361,22 @@
           <a:lstStyle/>
           <a:p>
             <a:r>
-              <a:rPr lang="en-US" dirty="0"/>
+              <a:rPr lang="en-US"/>
               <a:t>All lab material will be available in </a:t>
             </a:r>
             <a:r>
-              <a:rPr lang="en-US" dirty="0" err="1"/>
+              <a:rPr lang="en-US" err="1"/>
               <a:t>git</a:t>
             </a:r>
             <a:r>
-              <a:rPr lang="en-US" dirty="0"/>
+              <a:rPr lang="en-US"/>
               <a:t> lab repository</a:t>
             </a:r>
           </a:p>
           <a:p>
             <a:pPr lvl="1"/>
             <a:r>
-              <a:rPr lang="en-US" dirty="0" err="1">
+              <a:rPr lang="en-US" err="1">
                 <a:latin typeface="Courier" charset="0"/>
                 <a:ea typeface="Courier" charset="0"/>
                 <a:cs typeface="Courier" charset="0"/>
@@ -3382,7 +3384,7 @@
               <a:t>git</a:t>
             </a:r>
             <a:r>
-              <a:rPr lang="en-US" dirty="0">
+              <a:rPr lang="en-US">
                 <a:latin typeface="Courier" charset="0"/>
                 <a:ea typeface="Courier" charset="0"/>
                 <a:cs typeface="Courier" charset="0"/>
@@ -3390,7 +3392,7 @@
               <a:t> clone </a:t>
             </a:r>
             <a:r>
-              <a:rPr lang="en-US" dirty="0">
+              <a:rPr lang="en-US">
                 <a:latin typeface="Courier" charset="0"/>
                 <a:ea typeface="Courier" charset="0"/>
                 <a:cs typeface="Courier" charset="0"/>
@@ -3398,7 +3400,7 @@
               </a:rPr>
               <a:t>https://gitlab.com/AOSUC/Lab.git</a:t>
             </a:r>
-            <a:endParaRPr lang="en-US" dirty="0">
+            <a:endParaRPr lang="en-US">
               <a:latin typeface="Courier" charset="0"/>
               <a:ea typeface="Courier" charset="0"/>
               <a:cs typeface="Courier" charset="0"/>
@@ -3406,63 +3408,67 @@
           </a:p>
           <a:p>
             <a:r>
-              <a:rPr lang="en-US" dirty="0"/>
+              <a:rPr lang="en-US"/>
               <a:t>Material</a:t>
             </a:r>
           </a:p>
           <a:p>
             <a:pPr lvl="1"/>
             <a:r>
-              <a:rPr lang="en-US" dirty="0"/>
+              <a:rPr lang="en-US"/>
               <a:t>Where you must work</a:t>
             </a:r>
           </a:p>
           <a:p>
             <a:r>
-              <a:rPr lang="en-US" dirty="0"/>
+              <a:rPr lang="en-US"/>
               <a:t>Reference</a:t>
             </a:r>
           </a:p>
           <a:p>
             <a:pPr lvl="1"/>
             <a:r>
-              <a:rPr lang="en-US" dirty="0"/>
+              <a:rPr lang="en-US"/>
               <a:t>OSTEP original material (</a:t>
             </a:r>
             <a:r>
-              <a:rPr lang="en-US" dirty="0" err="1"/>
+              <a:rPr lang="en-US" err="1"/>
               <a:t>ostep.org</a:t>
             </a:r>
             <a:r>
-              <a:rPr lang="en-US" dirty="0"/>
+              <a:rPr lang="en-US"/>
               <a:t>)</a:t>
             </a:r>
           </a:p>
           <a:p>
             <a:pPr lvl="1"/>
-            <a:endParaRPr lang="en-US" dirty="0"/>
-          </a:p>
-          <a:p>
-            <a:r>
-              <a:rPr lang="en-US" dirty="0"/>
+            <a:endParaRPr lang="en-US"/>
+          </a:p>
+          <a:p>
+            <a:r>
+              <a:rPr lang="en-US"/>
               <a:t>We will work using a simple git </a:t>
             </a:r>
             <a:r>
-              <a:rPr lang="en-US" dirty="0" err="1"/>
-              <a:t>branch+up-stream</a:t>
-            </a:r>
-            <a:r>
-              <a:rPr lang="en-US" dirty="0"/>
-              <a:t> based workflow</a:t>
+              <a:rPr lang="en-US" i="1" err="1"/>
+              <a:t>branch+upstream</a:t>
+            </a:r>
+            <a:r>
+              <a:rPr lang="en-US" i="1"/>
+              <a:t> </a:t>
+            </a:r>
+            <a:r>
+              <a:rPr lang="en-US"/>
+              <a:t>based workflow</a:t>
             </a:r>
           </a:p>
           <a:p>
             <a:pPr lvl="1"/>
             <a:r>
-              <a:rPr lang="es-ES_tradnl" dirty="0"/>
+              <a:rPr lang="es-ES_tradnl"/>
               <a:t>https://www.atlassian.com/git/tutorials/what-is-git</a:t>
             </a:r>
-            <a:endParaRPr lang="en-US" dirty="0"/>
+            <a:endParaRPr lang="en-US"/>
           </a:p>
         </p:txBody>
       </p:sp>
@@ -3488,7 +3494,7 @@
               <a:rPr lang="es-ES" altLang="ko-KR"/>
               <a:t>AOS@UC</a:t>
             </a:r>
-            <a:endParaRPr lang="en-US" altLang="ko-KR" dirty="0"/>
+            <a:endParaRPr lang="en-US" altLang="ko-KR"/>
           </a:p>
         </p:txBody>
       </p:sp>
@@ -3521,38 +3527,6 @@
               <a:rPr lang="en-US" altLang="ko-KR"/>
               <a:t> </a:t>
             </a:r>
-          </a:p>
-        </p:txBody>
-      </p:sp>
-      <p:sp>
-        <p:nvSpPr>
-          <p:cNvPr id="7" name="Marcador de pie de página 6"/>
-          <p:cNvSpPr>
-            <a:spLocks noGrp="1"/>
-          </p:cNvSpPr>
-          <p:nvPr>
-            <p:ph type="ftr" sz="quarter" idx="3"/>
-          </p:nvPr>
-        </p:nvSpPr>
-        <p:spPr/>
-        <p:txBody>
-          <a:bodyPr/>
-          <a:lstStyle/>
-          <a:p>
-            <a:pPr fontAlgn="base">
-              <a:spcBef>
-                <a:spcPct val="0"/>
-              </a:spcBef>
-              <a:spcAft>
-                <a:spcPct val="0"/>
-              </a:spcAft>
-              <a:defRPr/>
-            </a:pPr>
-            <a:r>
-              <a:rPr kumimoji="1" lang="en-US" altLang="ko-KR"/>
-              <a:t>Valentin Puente</a:t>
-            </a:r>
-            <a:endParaRPr kumimoji="1" lang="ko-KR" altLang="en-US" dirty="0"/>
           </a:p>
         </p:txBody>
       </p:sp>
@@ -3600,18 +3574,9 @@
           <a:lstStyle/>
           <a:p>
             <a:r>
-              <a:rPr lang="es-ES_tradnl" dirty="0"/>
-              <a:t>Personal </a:t>
-            </a:r>
-            <a:r>
-              <a:rPr lang="es-ES_tradnl" dirty="0" err="1"/>
-              <a:t>Work</a:t>
-            </a:r>
-            <a:r>
-              <a:rPr lang="es-ES_tradnl" dirty="0"/>
-              <a:t> tracking</a:t>
-            </a:r>
-            <a:endParaRPr lang="en-US" dirty="0"/>
+              <a:rPr lang="en-US"/>
+              <a:t>Personal Work tracking</a:t>
+            </a:r>
           </a:p>
         </p:txBody>
       </p:sp>
@@ -3631,131 +3596,33 @@
           <a:lstStyle/>
           <a:p>
             <a:r>
-              <a:rPr lang="es-ES_tradnl" dirty="0" err="1"/>
-              <a:t>Git</a:t>
-            </a:r>
-            <a:r>
-              <a:rPr lang="es-ES_tradnl" dirty="0"/>
-              <a:t> repo </a:t>
-            </a:r>
-            <a:r>
-              <a:rPr lang="es-ES_tradnl" dirty="0" err="1"/>
-              <a:t>contains</a:t>
-            </a:r>
-            <a:r>
-              <a:rPr lang="es-ES_tradnl" dirty="0"/>
-              <a:t> a “</a:t>
-            </a:r>
-            <a:r>
-              <a:rPr lang="es-ES_tradnl" dirty="0" err="1"/>
-              <a:t>chain</a:t>
-            </a:r>
-            <a:r>
-              <a:rPr lang="es-ES_tradnl" dirty="0"/>
-              <a:t>” of </a:t>
-            </a:r>
-            <a:r>
-              <a:rPr lang="es-ES_tradnl" dirty="0" err="1"/>
-              <a:t>atomic</a:t>
-            </a:r>
-            <a:r>
-              <a:rPr lang="es-ES_tradnl" dirty="0"/>
-              <a:t> </a:t>
-            </a:r>
-            <a:r>
-              <a:rPr lang="es-ES_tradnl" dirty="0" err="1"/>
-              <a:t>changes</a:t>
-            </a:r>
-            <a:r>
-              <a:rPr lang="es-ES_tradnl" dirty="0"/>
-              <a:t> </a:t>
-            </a:r>
-            <a:r>
-              <a:rPr lang="es-ES_tradnl" dirty="0" err="1"/>
-              <a:t>called</a:t>
-            </a:r>
-            <a:r>
-              <a:rPr lang="es-ES_tradnl" dirty="0"/>
-              <a:t> </a:t>
-            </a:r>
-            <a:r>
-              <a:rPr lang="es-ES_tradnl" dirty="0" err="1"/>
-              <a:t>commits</a:t>
-            </a:r>
-            <a:endParaRPr lang="es-ES_tradnl" dirty="0"/>
-          </a:p>
-          <a:p>
-            <a:endParaRPr lang="es-ES_tradnl" dirty="0"/>
-          </a:p>
-          <a:p>
-            <a:endParaRPr lang="es-ES_tradnl" dirty="0"/>
-          </a:p>
-          <a:p>
-            <a:endParaRPr lang="es-ES_tradnl" dirty="0"/>
-          </a:p>
-          <a:p>
-            <a:endParaRPr lang="es-ES_tradnl" dirty="0"/>
-          </a:p>
-          <a:p>
-            <a:r>
-              <a:rPr lang="es-ES_tradnl" dirty="0" err="1"/>
-              <a:t>Branching</a:t>
-            </a:r>
-            <a:r>
-              <a:rPr lang="es-ES_tradnl" dirty="0"/>
-              <a:t> </a:t>
-            </a:r>
-            <a:r>
-              <a:rPr lang="es-ES_tradnl" dirty="0" err="1"/>
-              <a:t>will</a:t>
-            </a:r>
-            <a:r>
-              <a:rPr lang="es-ES_tradnl" dirty="0"/>
-              <a:t> </a:t>
-            </a:r>
-            <a:r>
-              <a:rPr lang="es-ES_tradnl" dirty="0" err="1"/>
-              <a:t>be</a:t>
-            </a:r>
-            <a:r>
-              <a:rPr lang="es-ES_tradnl" dirty="0"/>
-              <a:t> </a:t>
-            </a:r>
-            <a:r>
-              <a:rPr lang="es-ES_tradnl" dirty="0" err="1"/>
-              <a:t>used</a:t>
-            </a:r>
-            <a:r>
-              <a:rPr lang="es-ES_tradnl" dirty="0"/>
-              <a:t> </a:t>
-            </a:r>
-            <a:r>
-              <a:rPr lang="es-ES_tradnl" dirty="0" err="1"/>
-              <a:t>to</a:t>
-            </a:r>
-            <a:r>
-              <a:rPr lang="es-ES_tradnl" dirty="0"/>
-              <a:t> </a:t>
-            </a:r>
-            <a:r>
-              <a:rPr lang="es-ES_tradnl" dirty="0" err="1"/>
-              <a:t>track</a:t>
-            </a:r>
-            <a:r>
-              <a:rPr lang="es-ES_tradnl" dirty="0"/>
-              <a:t> personal </a:t>
-            </a:r>
-            <a:r>
-              <a:rPr lang="es-ES_tradnl" dirty="0" err="1"/>
-              <a:t>work</a:t>
-            </a:r>
-            <a:endParaRPr lang="es-ES_tradnl" dirty="0"/>
-          </a:p>
-          <a:p>
-            <a:endParaRPr lang="es-ES_tradnl" dirty="0"/>
-          </a:p>
-          <a:p>
-            <a:endParaRPr lang="es-ES_tradnl" dirty="0"/>
+              <a:rPr lang="en-US" dirty="0"/>
+              <a:t>Git repo contains a “chain” of atomic changes called commits</a:t>
+            </a:r>
+          </a:p>
+          <a:p>
+            <a:endParaRPr lang="en-US" dirty="0"/>
+          </a:p>
+          <a:p>
+            <a:endParaRPr lang="en-US" dirty="0"/>
+          </a:p>
+          <a:p>
+            <a:endParaRPr lang="en-US" dirty="0"/>
+          </a:p>
+          <a:p>
+            <a:endParaRPr lang="en-US" dirty="0"/>
+          </a:p>
+          <a:p>
+            <a:r>
+              <a:rPr lang="en-US" dirty="0"/>
+              <a:t>Branching will be used to track personal work</a:t>
+            </a:r>
+          </a:p>
+          <a:p>
+            <a:endParaRPr lang="en-US" dirty="0"/>
+          </a:p>
+          <a:p>
+            <a:endParaRPr lang="en-US" dirty="0"/>
           </a:p>
           <a:p>
             <a:endParaRPr lang="en-US" dirty="0"/>
@@ -3784,7 +3651,7 @@
               <a:rPr lang="es-ES" altLang="ko-KR"/>
               <a:t>AOS@UC</a:t>
             </a:r>
-            <a:endParaRPr lang="en-US" altLang="ko-KR" dirty="0"/>
+            <a:endParaRPr lang="en-US" altLang="ko-KR"/>
           </a:p>
         </p:txBody>
       </p:sp>
@@ -5109,10 +4976,10 @@
             <a:p>
               <a:pPr algn="ctr"/>
               <a:r>
-                <a:rPr lang="en-US" sz="1200" dirty="0"/>
+                <a:rPr lang="en-US" sz="1200"/>
                 <a:t>Lab Guides</a:t>
               </a:r>
-              <a:endParaRPr lang="en-US" dirty="0"/>
+              <a:endParaRPr lang="en-US"/>
             </a:p>
           </p:txBody>
         </p:sp>
@@ -6407,7 +6274,7 @@
             <a:lstStyle/>
             <a:p>
               <a:r>
-                <a:rPr lang="en-US" sz="1050" dirty="0"/>
+                <a:rPr lang="en-US" sz="1050"/>
                 <a:t>Personal Work</a:t>
               </a:r>
             </a:p>
@@ -6557,7 +6424,7 @@
             <a:p>
               <a:pPr algn="ctr"/>
               <a:r>
-                <a:rPr lang="en-US" sz="1400" dirty="0"/>
+                <a:rPr lang="en-US" sz="1400"/>
                 <a:t>Lab Guides</a:t>
               </a:r>
             </a:p>
@@ -8466,45 +8333,13 @@
             <a:lstStyle/>
             <a:p>
               <a:r>
-                <a:rPr lang="en-US" sz="1050" dirty="0"/>
+                <a:rPr lang="en-US" sz="1050"/>
                 <a:t>Personal Work</a:t>
               </a:r>
             </a:p>
           </p:txBody>
         </p:sp>
       </p:grpSp>
-      <p:sp>
-        <p:nvSpPr>
-          <p:cNvPr id="7" name="Marcador de pie de página 6"/>
-          <p:cNvSpPr>
-            <a:spLocks noGrp="1"/>
-          </p:cNvSpPr>
-          <p:nvPr>
-            <p:ph type="ftr" sz="quarter" idx="3"/>
-          </p:nvPr>
-        </p:nvSpPr>
-        <p:spPr/>
-        <p:txBody>
-          <a:bodyPr/>
-          <a:lstStyle/>
-          <a:p>
-            <a:pPr fontAlgn="base">
-              <a:spcBef>
-                <a:spcPct val="0"/>
-              </a:spcBef>
-              <a:spcAft>
-                <a:spcPct val="0"/>
-              </a:spcAft>
-              <a:defRPr/>
-            </a:pPr>
-            <a:r>
-              <a:rPr kumimoji="1" lang="en-US" altLang="ko-KR"/>
-              <a:t>Valentin Puente</a:t>
-            </a:r>
-            <a:endParaRPr kumimoji="1" lang="ko-KR" altLang="en-US" dirty="0"/>
-          </a:p>
-        </p:txBody>
-      </p:sp>
     </p:spTree>
   </p:cSld>
   <p:clrMapOvr>
@@ -8549,7 +8384,7 @@
           <a:lstStyle/>
           <a:p>
             <a:r>
-              <a:rPr lang="en-US" dirty="0"/>
+              <a:rPr lang="en-US"/>
               <a:t>Workflow</a:t>
             </a:r>
           </a:p>
@@ -8574,8 +8409,13 @@
           <a:p>
             <a:r>
               <a:rPr lang="en-US" dirty="0"/>
-              <a:t>Create an account in gitlab.com</a:t>
-            </a:r>
+              <a:t>Create an account in </a:t>
+            </a:r>
+            <a:r>
+              <a:rPr lang="en-US" dirty="0" err="1"/>
+              <a:t>gitlab.com</a:t>
+            </a:r>
+            <a:endParaRPr lang="en-US" dirty="0"/>
           </a:p>
           <a:p>
             <a:r>
@@ -8602,9 +8442,12 @@
               </a:rPr>
               <a:t>https://gitlab.com/AOSUC/Lab.git</a:t>
             </a:r>
-            <a:endParaRPr lang="en-US" sz="2000" dirty="0">
-              <a:cs typeface="+mn-cs"/>
-            </a:endParaRPr>
+            <a:r>
+              <a:rPr lang="en-US" sz="2000" dirty="0">
+                <a:cs typeface="+mn-cs"/>
+              </a:rPr>
+              <a:t> on web interface</a:t>
+            </a:r>
           </a:p>
           <a:p>
             <a:pPr marL="342900" lvl="1" indent="-342900">
@@ -8651,20 +8494,12 @@
               <a:buChar char=""/>
             </a:pPr>
             <a:r>
-              <a:rPr lang="en-US" dirty="0" err="1">
-                <a:latin typeface="Courier" charset="0"/>
-                <a:ea typeface="Courier" charset="0"/>
-                <a:cs typeface="Courier" charset="0"/>
-              </a:rPr>
-              <a:t>git</a:t>
-            </a:r>
-            <a:r>
               <a:rPr lang="en-US" dirty="0">
                 <a:latin typeface="Courier" charset="0"/>
                 <a:ea typeface="Courier" charset="0"/>
                 <a:cs typeface="Courier" charset="0"/>
               </a:rPr>
-              <a:t> clone https://</a:t>
+              <a:t>git clone https://</a:t>
             </a:r>
             <a:r>
               <a:rPr lang="en-US" dirty="0" err="1">
@@ -8702,20 +8537,12 @@
               <a:buChar char=""/>
             </a:pPr>
             <a:r>
-              <a:rPr lang="en-US" dirty="0" err="1">
-                <a:latin typeface="Courier" charset="0"/>
-                <a:ea typeface="Courier" charset="0"/>
-                <a:cs typeface="Courier" charset="0"/>
-              </a:rPr>
-              <a:t>git</a:t>
-            </a:r>
-            <a:r>
               <a:rPr lang="en-US" dirty="0">
                 <a:latin typeface="Courier" charset="0"/>
                 <a:ea typeface="Courier" charset="0"/>
                 <a:cs typeface="Courier" charset="0"/>
               </a:rPr>
-              <a:t> branch &lt;DNI&gt;</a:t>
+              <a:t>git branch &lt;DNI&gt;</a:t>
             </a:r>
           </a:p>
           <a:p>
@@ -8723,21 +8550,13 @@
               <a:buFont typeface="Wingdings" pitchFamily="2" charset="2"/>
               <a:buChar char=""/>
             </a:pPr>
-            <a:r>
-              <a:rPr lang="en-US" dirty="0" err="1">
-                <a:latin typeface="Courier" charset="0"/>
-                <a:ea typeface="Courier" charset="0"/>
-                <a:cs typeface="Courier" charset="0"/>
-              </a:rPr>
-              <a:t>git</a:t>
-            </a:r>
             <a:r>
               <a:rPr lang="en-US" dirty="0">
                 <a:latin typeface="Courier" charset="0"/>
                 <a:ea typeface="Courier" charset="0"/>
                 <a:cs typeface="Courier" charset="0"/>
               </a:rPr>
-              <a:t> checkout &lt;DNI&gt;</a:t>
+              <a:t>git checkout &lt;DNI&gt;</a:t>
             </a:r>
           </a:p>
           <a:p>
@@ -8757,21 +8576,13 @@
               <a:buFont typeface="Wingdings" pitchFamily="2" charset="2"/>
               <a:buChar char=""/>
             </a:pPr>
-            <a:r>
-              <a:rPr lang="en-US" dirty="0" err="1">
-                <a:latin typeface="Courier" charset="0"/>
-                <a:ea typeface="Courier" charset="0"/>
-                <a:cs typeface="Courier" charset="0"/>
-              </a:rPr>
-              <a:t>git</a:t>
-            </a:r>
             <a:r>
               <a:rPr lang="en-US" dirty="0">
                 <a:latin typeface="Courier" charset="0"/>
                 <a:ea typeface="Courier" charset="0"/>
                 <a:cs typeface="Courier" charset="0"/>
               </a:rPr>
-              <a:t> add NEW_FILES </a:t>
+              <a:t>git add NEW_FILES </a:t>
             </a:r>
             <a:r>
               <a:rPr lang="en-US" b="1" dirty="0">
@@ -8808,20 +8619,12 @@
               <a:buChar char=""/>
             </a:pPr>
             <a:r>
-              <a:rPr lang="en-US" dirty="0" err="1">
-                <a:latin typeface="Courier" charset="0"/>
-                <a:ea typeface="Courier" charset="0"/>
-                <a:cs typeface="Courier" charset="0"/>
-              </a:rPr>
-              <a:t>git</a:t>
-            </a:r>
-            <a:r>
               <a:rPr lang="en-US" dirty="0">
                 <a:latin typeface="Courier" charset="0"/>
                 <a:ea typeface="Courier" charset="0"/>
                 <a:cs typeface="Courier" charset="0"/>
               </a:rPr>
-              <a:t> commit </a:t>
+              <a:t>git commit </a:t>
             </a:r>
             <a:r>
               <a:rPr lang="en-US" b="1" dirty="0">
@@ -8835,20 +8638,12 @@
               <a:t>&lt;WORK&gt; </a:t>
             </a:r>
             <a:r>
-              <a:rPr lang="en-US" dirty="0" err="1">
-                <a:latin typeface="Courier" charset="0"/>
-                <a:ea typeface="Courier" charset="0"/>
-                <a:cs typeface="Courier" charset="0"/>
-              </a:rPr>
-              <a:t>git</a:t>
-            </a:r>
-            <a:r>
               <a:rPr lang="en-US" dirty="0">
                 <a:latin typeface="Courier" charset="0"/>
                 <a:ea typeface="Courier" charset="0"/>
                 <a:cs typeface="Courier" charset="0"/>
               </a:rPr>
-              <a:t> commit</a:t>
+              <a:t>git commit</a:t>
             </a:r>
             <a:r>
               <a:rPr lang="en-US" b="1" dirty="0">
@@ -8862,20 +8657,12 @@
               <a:t> &lt;WORK&gt; </a:t>
             </a:r>
             <a:r>
-              <a:rPr lang="en-US" dirty="0" err="1">
-                <a:latin typeface="Courier" charset="0"/>
-                <a:ea typeface="Courier" charset="0"/>
-                <a:cs typeface="Courier" charset="0"/>
-              </a:rPr>
-              <a:t>git</a:t>
-            </a:r>
-            <a:r>
               <a:rPr lang="en-US" dirty="0">
                 <a:latin typeface="Courier" charset="0"/>
                 <a:ea typeface="Courier" charset="0"/>
                 <a:cs typeface="Courier" charset="0"/>
               </a:rPr>
-              <a:t> commit </a:t>
+              <a:t>git commit </a:t>
             </a:r>
             <a:r>
               <a:rPr lang="en-US" b="1" dirty="0">
@@ -8911,20 +8698,12 @@
               <a:buChar char=""/>
             </a:pPr>
             <a:r>
-              <a:rPr lang="en-US" dirty="0" err="1">
-                <a:latin typeface="Courier" charset="0"/>
-                <a:ea typeface="Courier" charset="0"/>
-                <a:cs typeface="Courier" charset="0"/>
-              </a:rPr>
-              <a:t>git</a:t>
-            </a:r>
-            <a:r>
               <a:rPr lang="en-US" dirty="0">
                 <a:latin typeface="Courier" charset="0"/>
                 <a:ea typeface="Courier" charset="0"/>
                 <a:cs typeface="Courier" charset="0"/>
               </a:rPr>
-              <a:t> push </a:t>
+              <a:t>git push </a:t>
             </a:r>
           </a:p>
           <a:p>
@@ -8933,16 +8712,10 @@
               <a:buChar char=""/>
             </a:pPr>
             <a:r>
-              <a:rPr lang="en-US" dirty="0" err="1">
-                <a:cs typeface="+mn-cs"/>
-              </a:rPr>
-              <a:t>git</a:t>
-            </a:r>
-            <a:r>
               <a:rPr lang="en-US" dirty="0">
                 <a:cs typeface="+mn-cs"/>
               </a:rPr>
-              <a:t> pull </a:t>
+              <a:t>git pull </a:t>
             </a:r>
             <a:r>
               <a:rPr lang="en-US" dirty="0">
@@ -8999,7 +8772,7 @@
               <a:rPr lang="es-ES" altLang="ko-KR"/>
               <a:t>AOS@UC</a:t>
             </a:r>
-            <a:endParaRPr lang="en-US" altLang="ko-KR" dirty="0"/>
+            <a:endParaRPr lang="en-US" altLang="ko-KR"/>
           </a:p>
         </p:txBody>
       </p:sp>
@@ -9032,38 +8805,6 @@
               <a:rPr lang="en-US" altLang="ko-KR"/>
               <a:t> </a:t>
             </a:r>
-          </a:p>
-        </p:txBody>
-      </p:sp>
-      <p:sp>
-        <p:nvSpPr>
-          <p:cNvPr id="7" name="Marcador de pie de página 6"/>
-          <p:cNvSpPr>
-            <a:spLocks noGrp="1"/>
-          </p:cNvSpPr>
-          <p:nvPr>
-            <p:ph type="ftr" sz="quarter" idx="3"/>
-          </p:nvPr>
-        </p:nvSpPr>
-        <p:spPr/>
-        <p:txBody>
-          <a:bodyPr/>
-          <a:lstStyle/>
-          <a:p>
-            <a:pPr fontAlgn="base">
-              <a:spcBef>
-                <a:spcPct val="0"/>
-              </a:spcBef>
-              <a:spcAft>
-                <a:spcPct val="0"/>
-              </a:spcAft>
-              <a:defRPr/>
-            </a:pPr>
-            <a:r>
-              <a:rPr kumimoji="1" lang="en-US" altLang="ko-KR"/>
-              <a:t>Valentin Puente</a:t>
-            </a:r>
-            <a:endParaRPr kumimoji="1" lang="ko-KR" altLang="en-US" dirty="0"/>
           </a:p>
         </p:txBody>
       </p:sp>
@@ -9111,7 +8852,7 @@
           <a:lstStyle/>
           <a:p>
             <a:r>
-              <a:rPr lang="en-US" dirty="0"/>
+              <a:rPr lang="en-US"/>
               <a:t>Updating of Guides (Pull)</a:t>
             </a:r>
           </a:p>
@@ -9135,40 +8876,40 @@
           <a:lstStyle/>
           <a:p>
             <a:r>
-              <a:rPr lang="en-US" dirty="0"/>
+              <a:rPr lang="en-US"/>
               <a:t>Merging updates in material</a:t>
             </a:r>
           </a:p>
           <a:p>
-            <a:endParaRPr lang="en-US" dirty="0"/>
-          </a:p>
-          <a:p>
-            <a:endParaRPr lang="en-US" dirty="0"/>
-          </a:p>
-          <a:p>
-            <a:endParaRPr lang="en-US" dirty="0"/>
-          </a:p>
-          <a:p>
-            <a:endParaRPr lang="en-US" dirty="0"/>
-          </a:p>
-          <a:p>
-            <a:endParaRPr lang="en-US" dirty="0"/>
-          </a:p>
-          <a:p>
-            <a:endParaRPr lang="en-US" dirty="0"/>
-          </a:p>
-          <a:p>
-            <a:endParaRPr lang="en-US" dirty="0"/>
-          </a:p>
-          <a:p>
-            <a:r>
-              <a:rPr lang="en-US" dirty="0"/>
+            <a:endParaRPr lang="en-US"/>
+          </a:p>
+          <a:p>
+            <a:endParaRPr lang="en-US"/>
+          </a:p>
+          <a:p>
+            <a:endParaRPr lang="en-US"/>
+          </a:p>
+          <a:p>
+            <a:endParaRPr lang="en-US"/>
+          </a:p>
+          <a:p>
+            <a:endParaRPr lang="en-US"/>
+          </a:p>
+          <a:p>
+            <a:endParaRPr lang="en-US"/>
+          </a:p>
+          <a:p>
+            <a:endParaRPr lang="en-US"/>
+          </a:p>
+          <a:p>
+            <a:r>
+              <a:rPr lang="en-US"/>
               <a:t>Allow the professor to track your work</a:t>
             </a:r>
           </a:p>
           <a:p>
             <a:r>
-              <a:rPr lang="en-US" dirty="0"/>
+              <a:rPr lang="en-US"/>
               <a:t>Allow to automatize C&amp;P detection</a:t>
             </a:r>
           </a:p>
@@ -9196,7 +8937,7 @@
               <a:rPr lang="es-ES" altLang="ko-KR"/>
               <a:t>AOS@UC</a:t>
             </a:r>
-            <a:endParaRPr lang="en-US" altLang="ko-KR" dirty="0"/>
+            <a:endParaRPr lang="en-US" altLang="ko-KR"/>
           </a:p>
         </p:txBody>
       </p:sp>
@@ -10572,10 +10313,10 @@
             <a:p>
               <a:pPr algn="ctr"/>
               <a:r>
-                <a:rPr lang="en-US" sz="1200" dirty="0"/>
+                <a:rPr lang="en-US" sz="1200"/>
                 <a:t>Lab Guides</a:t>
               </a:r>
-              <a:endParaRPr lang="en-US" dirty="0"/>
+              <a:endParaRPr lang="en-US"/>
             </a:p>
           </p:txBody>
         </p:sp>
@@ -12450,45 +12191,13 @@
             <a:lstStyle/>
             <a:p>
               <a:r>
-                <a:rPr lang="en-US" sz="1050" dirty="0"/>
+                <a:rPr lang="en-US" sz="1050"/>
                 <a:t>Personal Work</a:t>
               </a:r>
             </a:p>
           </p:txBody>
         </p:sp>
       </p:grpSp>
-      <p:sp>
-        <p:nvSpPr>
-          <p:cNvPr id="7" name="Marcador de pie de página 6"/>
-          <p:cNvSpPr>
-            <a:spLocks noGrp="1"/>
-          </p:cNvSpPr>
-          <p:nvPr>
-            <p:ph type="ftr" sz="quarter" idx="3"/>
-          </p:nvPr>
-        </p:nvSpPr>
-        <p:spPr/>
-        <p:txBody>
-          <a:bodyPr/>
-          <a:lstStyle/>
-          <a:p>
-            <a:pPr fontAlgn="base">
-              <a:spcBef>
-                <a:spcPct val="0"/>
-              </a:spcBef>
-              <a:spcAft>
-                <a:spcPct val="0"/>
-              </a:spcAft>
-              <a:defRPr/>
-            </a:pPr>
-            <a:r>
-              <a:rPr kumimoji="1" lang="en-US" altLang="ko-KR"/>
-              <a:t>Valentin Puente</a:t>
-            </a:r>
-            <a:endParaRPr kumimoji="1" lang="ko-KR" altLang="en-US" dirty="0"/>
-          </a:p>
-        </p:txBody>
-      </p:sp>
     </p:spTree>
   </p:cSld>
   <p:clrMapOvr>
@@ -12695,7 +12404,7 @@
           <a:lstStyle/>
           <a:p>
             <a:r>
-              <a:rPr lang="en-US" dirty="0"/>
+              <a:rPr lang="en-US"/>
               <a:t>Download changes from the common repo</a:t>
             </a:r>
           </a:p>
@@ -12726,39 +12435,23 @@
           <a:p>
             <a:pPr lvl="1"/>
             <a:r>
-              <a:rPr lang="en-US" dirty="0" err="1">
-                <a:latin typeface="Courier" charset="0"/>
-                <a:ea typeface="Courier" charset="0"/>
-                <a:cs typeface="Courier" charset="0"/>
-              </a:rPr>
-              <a:t>git</a:t>
-            </a:r>
-            <a:r>
               <a:rPr lang="en-US" dirty="0">
                 <a:latin typeface="Courier" charset="0"/>
                 <a:ea typeface="Courier" charset="0"/>
                 <a:cs typeface="Courier" charset="0"/>
               </a:rPr>
-              <a:t> checkout master</a:t>
+              <a:t>git checkout master</a:t>
             </a:r>
           </a:p>
           <a:p>
             <a:pPr lvl="1"/>
-            <a:r>
-              <a:rPr lang="en-US" dirty="0" err="1">
-                <a:latin typeface="Courier" charset="0"/>
-                <a:ea typeface="Courier" charset="0"/>
-                <a:cs typeface="Courier" charset="0"/>
-              </a:rPr>
-              <a:t>git</a:t>
-            </a:r>
             <a:r>
               <a:rPr lang="en-US" dirty="0">
                 <a:latin typeface="Courier" charset="0"/>
                 <a:ea typeface="Courier" charset="0"/>
                 <a:cs typeface="Courier" charset="0"/>
               </a:rPr>
-              <a:t> pull </a:t>
+              <a:t>git pull </a:t>
             </a:r>
             <a:r>
               <a:rPr lang="en-US" dirty="0">
@@ -12778,39 +12471,23 @@
           <a:p>
             <a:pPr lvl="1"/>
             <a:r>
-              <a:rPr lang="en-US" dirty="0" err="1">
-                <a:latin typeface="Courier" charset="0"/>
-                <a:ea typeface="Courier" charset="0"/>
-                <a:cs typeface="Courier" charset="0"/>
-              </a:rPr>
-              <a:t>git</a:t>
-            </a:r>
-            <a:r>
               <a:rPr lang="en-US" dirty="0">
                 <a:latin typeface="Courier" charset="0"/>
                 <a:ea typeface="Courier" charset="0"/>
                 <a:cs typeface="Courier" charset="0"/>
               </a:rPr>
-              <a:t> checkout &lt;DNI&gt;</a:t>
+              <a:t>git checkout &lt;DNI&gt;</a:t>
             </a:r>
           </a:p>
           <a:p>
             <a:pPr lvl="1"/>
-            <a:r>
-              <a:rPr lang="en-US" dirty="0" err="1">
-                <a:latin typeface="Courier" charset="0"/>
-                <a:ea typeface="Courier" charset="0"/>
-                <a:cs typeface="Courier" charset="0"/>
-              </a:rPr>
-              <a:t>git</a:t>
-            </a:r>
             <a:r>
               <a:rPr lang="en-US" dirty="0">
                 <a:latin typeface="Courier" charset="0"/>
                 <a:ea typeface="Courier" charset="0"/>
                 <a:cs typeface="Courier" charset="0"/>
               </a:rPr>
-              <a:t> rebase master</a:t>
+              <a:t>git rebase master</a:t>
             </a:r>
           </a:p>
           <a:p>
@@ -12839,7 +12516,7 @@
             <a:pPr lvl="1"/>
             <a:r>
               <a:rPr lang="en-US" dirty="0"/>
-              <a:t>For example if we have clock-skew between system and files (</a:t>
+              <a:t>For example, if we have clock-skew between system and files (</a:t>
             </a:r>
             <a:r>
               <a:rPr lang="en-US" dirty="0" err="1"/>
@@ -12847,13 +12524,8 @@
             </a:r>
             <a:r>
               <a:rPr lang="en-US" dirty="0"/>
-              <a:t>. Virtual Box </a:t>
-            </a:r>
-            <a:r>
-              <a:rPr lang="en-US"/>
-              <a:t>and host shared directory !!!)</a:t>
-            </a:r>
-            <a:endParaRPr lang="en-US" dirty="0"/>
+              <a:t>. Virtual Box and host shared directory in some old windows)</a:t>
+            </a:r>
           </a:p>
         </p:txBody>
       </p:sp>
@@ -12879,7 +12551,7 @@
               <a:rPr lang="es-ES" altLang="ko-KR"/>
               <a:t>AOS@UC</a:t>
             </a:r>
-            <a:endParaRPr lang="en-US" altLang="ko-KR" dirty="0"/>
+            <a:endParaRPr lang="en-US" altLang="ko-KR"/>
           </a:p>
         </p:txBody>
       </p:sp>
@@ -12912,38 +12584,6 @@
               <a:rPr lang="en-US" altLang="ko-KR"/>
               <a:t> </a:t>
             </a:r>
-          </a:p>
-        </p:txBody>
-      </p:sp>
-      <p:sp>
-        <p:nvSpPr>
-          <p:cNvPr id="6" name="Marcador de pie de página 5"/>
-          <p:cNvSpPr>
-            <a:spLocks noGrp="1"/>
-          </p:cNvSpPr>
-          <p:nvPr>
-            <p:ph type="ftr" sz="quarter" idx="3"/>
-          </p:nvPr>
-        </p:nvSpPr>
-        <p:spPr/>
-        <p:txBody>
-          <a:bodyPr/>
-          <a:lstStyle/>
-          <a:p>
-            <a:pPr fontAlgn="base">
-              <a:spcBef>
-                <a:spcPct val="0"/>
-              </a:spcBef>
-              <a:spcAft>
-                <a:spcPct val="0"/>
-              </a:spcAft>
-              <a:defRPr/>
-            </a:pPr>
-            <a:r>
-              <a:rPr kumimoji="1" lang="en-US" altLang="ko-KR"/>
-              <a:t>Valentin Puente</a:t>
-            </a:r>
-            <a:endParaRPr kumimoji="1" lang="ko-KR" altLang="en-US" dirty="0"/>
           </a:p>
         </p:txBody>
       </p:sp>
@@ -13963,10 +13603,10 @@
             <a:p>
               <a:pPr algn="ctr"/>
               <a:r>
-                <a:rPr lang="en-US" sz="900" dirty="0"/>
+                <a:rPr lang="en-US" sz="900"/>
                 <a:t>Lab Guides</a:t>
               </a:r>
-              <a:endParaRPr lang="en-US" sz="1100" dirty="0"/>
+              <a:endParaRPr lang="en-US" sz="1100"/>
             </a:p>
           </p:txBody>
         </p:sp>
@@ -15841,7 +15481,7 @@
             <a:lstStyle/>
             <a:p>
               <a:r>
-                <a:rPr lang="en-US" sz="800" dirty="0"/>
+                <a:rPr lang="en-US" sz="800"/>
                 <a:t>Personal Work</a:t>
               </a:r>
             </a:p>
@@ -16850,10 +16490,10 @@
           <a:p>
             <a:pPr algn="ctr"/>
             <a:r>
-              <a:rPr lang="en-US" sz="900" dirty="0"/>
+              <a:rPr lang="en-US" sz="900"/>
               <a:t>Lab Guides</a:t>
             </a:r>
-            <a:endParaRPr lang="en-US" sz="1100" dirty="0"/>
+            <a:endParaRPr lang="en-US" sz="1100"/>
           </a:p>
         </p:txBody>
       </p:sp>
@@ -18566,7 +18206,7 @@
           <a:lstStyle/>
           <a:p>
             <a:r>
-              <a:rPr lang="en-US" sz="800" dirty="0"/>
+              <a:rPr lang="en-US" sz="800"/>
               <a:t>Personal Work</a:t>
             </a:r>
           </a:p>
@@ -18607,7 +18247,7 @@
           <a:lstStyle/>
           <a:p>
             <a:pPr algn="ctr"/>
-            <a:endParaRPr lang="en-US" sz="1600" dirty="0">
+            <a:endParaRPr lang="en-US" sz="1600">
               <a:ln w="0"/>
               <a:solidFill>
                 <a:schemeClr val="accent1"/>
@@ -18675,7 +18315,7 @@
           <a:lstStyle/>
           <a:p>
             <a:r>
-              <a:rPr lang="en-US" dirty="0"/>
+              <a:rPr lang="en-US"/>
               <a:t>Next level (not required but advised to try at least)</a:t>
             </a:r>
           </a:p>
@@ -18697,57 +18337,57 @@
           <a:lstStyle/>
           <a:p>
             <a:r>
-              <a:rPr lang="en-US" dirty="0"/>
+              <a:rPr lang="en-US"/>
               <a:t>Create additional branches for a particular work</a:t>
             </a:r>
           </a:p>
           <a:p>
-            <a:endParaRPr lang="en-US" dirty="0"/>
-          </a:p>
-          <a:p>
-            <a:r>
-              <a:rPr lang="en-US" dirty="0"/>
+            <a:endParaRPr lang="en-US"/>
+          </a:p>
+          <a:p>
+            <a:r>
+              <a:rPr lang="en-US"/>
               <a:t>Merge with DNI branch when done</a:t>
             </a:r>
           </a:p>
           <a:p>
             <a:pPr lvl="1"/>
             <a:r>
-              <a:rPr lang="en-US" dirty="0"/>
+              <a:rPr lang="en-US"/>
               <a:t>Only use the Web interface to merge</a:t>
             </a:r>
           </a:p>
           <a:p>
             <a:pPr lvl="1"/>
             <a:r>
-              <a:rPr lang="en-US" dirty="0"/>
+              <a:rPr lang="en-US"/>
               <a:t>Command line tool are not easy to use (especially when conflicts appears) </a:t>
             </a:r>
           </a:p>
           <a:p>
             <a:pPr lvl="1"/>
-            <a:endParaRPr lang="en-US" dirty="0"/>
-          </a:p>
-          <a:p>
-            <a:r>
-              <a:rPr lang="en-US" dirty="0"/>
+            <a:endParaRPr lang="en-US"/>
+          </a:p>
+          <a:p>
+            <a:r>
+              <a:rPr lang="en-US"/>
               <a:t>Allows to work on multiple tasks at once (and do not have a chaos in hands)</a:t>
             </a:r>
           </a:p>
           <a:p>
-            <a:endParaRPr lang="en-US" dirty="0"/>
-          </a:p>
-          <a:p>
-            <a:r>
-              <a:rPr lang="en-US" dirty="0"/>
+            <a:endParaRPr lang="en-US"/>
+          </a:p>
+          <a:p>
+            <a:r>
+              <a:rPr lang="en-US"/>
               <a:t>Use </a:t>
             </a:r>
             <a:r>
-              <a:rPr lang="en-US" dirty="0" err="1"/>
+              <a:rPr lang="en-US" err="1"/>
               <a:t>kanban</a:t>
             </a:r>
             <a:r>
-              <a:rPr lang="en-US" dirty="0"/>
+              <a:rPr lang="en-US"/>
               <a:t>/issue boards to track your issues/progress</a:t>
             </a:r>
           </a:p>
@@ -18775,7 +18415,7 @@
               <a:rPr lang="es-ES" altLang="ko-KR"/>
               <a:t>AOS@UC</a:t>
             </a:r>
-            <a:endParaRPr lang="en-US" altLang="ko-KR" dirty="0"/>
+            <a:endParaRPr lang="en-US" altLang="ko-KR"/>
           </a:p>
         </p:txBody>
       </p:sp>
@@ -18808,38 +18448,6 @@
               <a:rPr lang="en-US" altLang="ko-KR"/>
               <a:t> </a:t>
             </a:r>
-          </a:p>
-        </p:txBody>
-      </p:sp>
-      <p:sp>
-        <p:nvSpPr>
-          <p:cNvPr id="7" name="Marcador de pie de página 6"/>
-          <p:cNvSpPr>
-            <a:spLocks noGrp="1"/>
-          </p:cNvSpPr>
-          <p:nvPr>
-            <p:ph type="ftr" sz="quarter" idx="3"/>
-          </p:nvPr>
-        </p:nvSpPr>
-        <p:spPr/>
-        <p:txBody>
-          <a:bodyPr/>
-          <a:lstStyle/>
-          <a:p>
-            <a:pPr fontAlgn="base">
-              <a:spcBef>
-                <a:spcPct val="0"/>
-              </a:spcBef>
-              <a:spcAft>
-                <a:spcPct val="0"/>
-              </a:spcAft>
-              <a:defRPr/>
-            </a:pPr>
-            <a:r>
-              <a:rPr kumimoji="1" lang="en-US" altLang="ko-KR"/>
-              <a:t>Valentin Puente</a:t>
-            </a:r>
-            <a:endParaRPr kumimoji="1" lang="ko-KR" altLang="en-US" dirty="0"/>
           </a:p>
         </p:txBody>
       </p:sp>
@@ -18878,6 +18486,277 @@
       </p:grpSpPr>
       <p:sp>
         <p:nvSpPr>
+          <p:cNvPr id="2" name="Título 1">
+            <a:extLst>
+              <a:ext uri="{FF2B5EF4-FFF2-40B4-BE49-F238E27FC236}">
+                <a16:creationId xmlns:a16="http://schemas.microsoft.com/office/drawing/2014/main" id="{373CC799-8D44-2B4F-B566-C7CD12AC8DD0}"/>
+              </a:ext>
+            </a:extLst>
+          </p:cNvPr>
+          <p:cNvSpPr>
+            <a:spLocks noGrp="1"/>
+          </p:cNvSpPr>
+          <p:nvPr>
+            <p:ph type="title"/>
+          </p:nvPr>
+        </p:nvSpPr>
+        <p:spPr>
+          <a:xfrm>
+            <a:off x="214313" y="14091"/>
+            <a:ext cx="8786812" cy="585787"/>
+          </a:xfrm>
+        </p:spPr>
+        <p:txBody>
+          <a:bodyPr/>
+          <a:lstStyle/>
+          <a:p>
+            <a:r>
+              <a:rPr lang="en-US" noProof="1"/>
+              <a:t>Git can be quite powerfull (and complex!)</a:t>
+            </a:r>
+          </a:p>
+        </p:txBody>
+      </p:sp>
+      <p:sp>
+        <p:nvSpPr>
+          <p:cNvPr id="3" name="Marcador de contenido 2">
+            <a:extLst>
+              <a:ext uri="{FF2B5EF4-FFF2-40B4-BE49-F238E27FC236}">
+                <a16:creationId xmlns:a16="http://schemas.microsoft.com/office/drawing/2014/main" id="{3378420D-28A1-344C-8E62-758E1D60FE16}"/>
+              </a:ext>
+            </a:extLst>
+          </p:cNvPr>
+          <p:cNvSpPr>
+            <a:spLocks noGrp="1"/>
+          </p:cNvSpPr>
+          <p:nvPr>
+            <p:ph idx="1"/>
+          </p:nvPr>
+        </p:nvSpPr>
+        <p:spPr>
+          <a:xfrm>
+            <a:off x="214313" y="838597"/>
+            <a:ext cx="8786812" cy="5562007"/>
+          </a:xfrm>
+        </p:spPr>
+        <p:txBody>
+          <a:bodyPr/>
+          <a:lstStyle/>
+          <a:p>
+            <a:endParaRPr lang="es-ES" dirty="0"/>
+          </a:p>
+          <a:p>
+            <a:endParaRPr lang="en-US" noProof="1"/>
+          </a:p>
+        </p:txBody>
+      </p:sp>
+      <p:sp>
+        <p:nvSpPr>
+          <p:cNvPr id="4" name="Marcador de fecha 3">
+            <a:extLst>
+              <a:ext uri="{FF2B5EF4-FFF2-40B4-BE49-F238E27FC236}">
+                <a16:creationId xmlns:a16="http://schemas.microsoft.com/office/drawing/2014/main" id="{56E1BD24-5A60-6C42-A2A4-5FC71C7DB1D9}"/>
+              </a:ext>
+            </a:extLst>
+          </p:cNvPr>
+          <p:cNvSpPr>
+            <a:spLocks noGrp="1"/>
+          </p:cNvSpPr>
+          <p:nvPr>
+            <p:ph type="dt" sz="half" idx="10"/>
+          </p:nvPr>
+        </p:nvSpPr>
+        <p:spPr/>
+        <p:txBody>
+          <a:bodyPr/>
+          <a:lstStyle/>
+          <a:p>
+            <a:pPr>
+              <a:defRPr/>
+            </a:pPr>
+            <a:r>
+              <a:rPr lang="es-ES" altLang="ko-KR" dirty="0"/>
+              <a:t>AOS@UC</a:t>
+            </a:r>
+            <a:endParaRPr lang="en-US" altLang="ko-KR" dirty="0"/>
+          </a:p>
+        </p:txBody>
+      </p:sp>
+      <p:sp>
+        <p:nvSpPr>
+          <p:cNvPr id="5" name="Marcador de número de diapositiva 4">
+            <a:extLst>
+              <a:ext uri="{FF2B5EF4-FFF2-40B4-BE49-F238E27FC236}">
+                <a16:creationId xmlns:a16="http://schemas.microsoft.com/office/drawing/2014/main" id="{BF2C0B10-8404-824C-B013-CB70D0917A4A}"/>
+              </a:ext>
+            </a:extLst>
+          </p:cNvPr>
+          <p:cNvSpPr>
+            <a:spLocks noGrp="1"/>
+          </p:cNvSpPr>
+          <p:nvPr>
+            <p:ph type="sldNum" sz="quarter" idx="11"/>
+          </p:nvPr>
+        </p:nvSpPr>
+        <p:spPr/>
+        <p:txBody>
+          <a:bodyPr/>
+          <a:lstStyle/>
+          <a:p>
+            <a:pPr>
+              <a:defRPr/>
+            </a:pPr>
+            <a:fld id="{515CC4ED-1449-4712-AE45-EBC263B4DD26}" type="slidenum">
+              <a:rPr lang="en-US" altLang="ko-KR" smtClean="0"/>
+              <a:pPr>
+                <a:defRPr/>
+              </a:pPr>
+              <a:t>16</a:t>
+            </a:fld>
+            <a:r>
+              <a:rPr lang="en-US" altLang="ko-KR" dirty="0"/>
+              <a:t> </a:t>
+            </a:r>
+          </a:p>
+        </p:txBody>
+      </p:sp>
+      <p:pic>
+        <p:nvPicPr>
+          <p:cNvPr id="1026" name="Picture 2">
+            <a:extLst>
+              <a:ext uri="{FF2B5EF4-FFF2-40B4-BE49-F238E27FC236}">
+                <a16:creationId xmlns:a16="http://schemas.microsoft.com/office/drawing/2014/main" id="{0C1B3C06-917A-FD4C-954B-1FBDE6FA6A4F}"/>
+              </a:ext>
+            </a:extLst>
+          </p:cNvPr>
+          <p:cNvPicPr>
+            <a:picLocks noChangeAspect="1" noChangeArrowheads="1"/>
+          </p:cNvPicPr>
+          <p:nvPr/>
+        </p:nvPicPr>
+        <p:blipFill>
+          <a:blip r:embed="rId2">
+            <a:extLst>
+              <a:ext uri="{28A0092B-C50C-407E-A947-70E740481C1C}">
+                <a14:useLocalDpi xmlns:a14="http://schemas.microsoft.com/office/drawing/2010/main" val="0"/>
+              </a:ext>
+            </a:extLst>
+          </a:blip>
+          <a:srcRect/>
+          <a:stretch>
+            <a:fillRect/>
+          </a:stretch>
+        </p:blipFill>
+        <p:spPr bwMode="auto">
+          <a:xfrm>
+            <a:off x="2473372" y="838597"/>
+            <a:ext cx="4197255" cy="5562007"/>
+          </a:xfrm>
+          <a:prstGeom prst="rect">
+            <a:avLst/>
+          </a:prstGeom>
+          <a:noFill/>
+          <a:extLst>
+            <a:ext uri="{909E8E84-426E-40DD-AFC4-6F175D3DCCD1}">
+              <a14:hiddenFill xmlns:a14="http://schemas.microsoft.com/office/drawing/2010/main">
+                <a:solidFill>
+                  <a:srgbClr val="FFFFFF"/>
+                </a:solidFill>
+              </a14:hiddenFill>
+            </a:ext>
+          </a:extLst>
+        </p:spPr>
+      </p:pic>
+      <p:sp>
+        <p:nvSpPr>
+          <p:cNvPr id="7" name="Rectángulo 6">
+            <a:extLst>
+              <a:ext uri="{FF2B5EF4-FFF2-40B4-BE49-F238E27FC236}">
+                <a16:creationId xmlns:a16="http://schemas.microsoft.com/office/drawing/2014/main" id="{9EB49556-92CF-324E-B034-F32C053A2768}"/>
+              </a:ext>
+            </a:extLst>
+          </p:cNvPr>
+          <p:cNvSpPr/>
+          <p:nvPr/>
+        </p:nvSpPr>
+        <p:spPr>
+          <a:xfrm>
+            <a:off x="1298468" y="6271912"/>
+            <a:ext cx="7290020" cy="923330"/>
+          </a:xfrm>
+          <a:prstGeom prst="rect">
+            <a:avLst/>
+          </a:prstGeom>
+        </p:spPr>
+        <p:txBody>
+          <a:bodyPr wrap="square">
+            <a:spAutoFit/>
+          </a:bodyPr>
+          <a:lstStyle/>
+          <a:p>
+            <a:r>
+              <a:rPr lang="en-US" dirty="0">
+                <a:hlinkClick r:id="rId3"/>
+              </a:rPr>
+              <a:t>https://nvie.com/posts/a-successful-git-branching-model/</a:t>
+            </a:r>
+            <a:r>
+              <a:rPr lang="en-US" dirty="0"/>
+              <a:t> (👍)</a:t>
+            </a:r>
+          </a:p>
+          <a:p>
+            <a:r>
+              <a:rPr lang="en-US" dirty="0">
+                <a:hlinkClick r:id="rId4"/>
+              </a:rPr>
+              <a:t>https://news.ycombinator.com/item?id=11190310</a:t>
+            </a:r>
+            <a:r>
+              <a:rPr lang="en-US" dirty="0"/>
+              <a:t> (👎)</a:t>
+            </a:r>
+          </a:p>
+          <a:p>
+            <a:endParaRPr lang="en-US" dirty="0"/>
+          </a:p>
+        </p:txBody>
+      </p:sp>
+    </p:spTree>
+    <p:extLst>
+      <p:ext uri="{BB962C8B-B14F-4D97-AF65-F5344CB8AC3E}">
+        <p14:creationId xmlns:p14="http://schemas.microsoft.com/office/powerpoint/2010/main" val="1955637257"/>
+      </p:ext>
+    </p:extLst>
+  </p:cSld>
+  <p:clrMapOvr>
+    <a:masterClrMapping/>
+  </p:clrMapOvr>
+  <p:transition>
+    <p:zoom/>
+  </p:transition>
+</p:sld>
+</file>
+
+<file path=ppt/slides/slide17.xml><?xml version="1.0" encoding="utf-8"?>
+<p:sld xmlns:a="http://schemas.openxmlformats.org/drawingml/2006/main" xmlns:r="http://schemas.openxmlformats.org/officeDocument/2006/relationships" xmlns:p="http://schemas.openxmlformats.org/presentationml/2006/main">
+  <p:cSld>
+    <p:spTree>
+      <p:nvGrpSpPr>
+        <p:cNvPr id="1" name=""/>
+        <p:cNvGrpSpPr/>
+        <p:nvPr/>
+      </p:nvGrpSpPr>
+      <p:grpSpPr>
+        <a:xfrm>
+          <a:off x="0" y="0"/>
+          <a:ext cx="0" cy="0"/>
+          <a:chOff x="0" y="0"/>
+          <a:chExt cx="0" cy="0"/>
+        </a:xfrm>
+      </p:grpSpPr>
+      <p:sp>
+        <p:nvSpPr>
           <p:cNvPr id="2" name="Title 1">
             <a:extLst>
               <a:ext uri="{FF2B5EF4-FFF2-40B4-BE49-F238E27FC236}">
@@ -18898,10 +18777,9 @@
           <a:lstStyle/>
           <a:p>
             <a:r>
-              <a:rPr lang="es-ES_tradnl" dirty="0" err="1"/>
+              <a:rPr lang="en-US" dirty="0"/>
               <a:t>Summary</a:t>
             </a:r>
-            <a:endParaRPr lang="es-ES_tradnl" dirty="0"/>
           </a:p>
         </p:txBody>
       </p:sp>
@@ -18962,7 +18840,7 @@
               <a:rPr lang="es-ES" altLang="ko-KR"/>
               <a:t>AOS@UC</a:t>
             </a:r>
-            <a:endParaRPr lang="en-US" altLang="ko-KR" dirty="0"/>
+            <a:endParaRPr lang="en-US" altLang="ko-KR"/>
           </a:p>
         </p:txBody>
       </p:sp>
@@ -18995,7 +18873,7 @@
               <a:pPr>
                 <a:defRPr/>
               </a:pPr>
-              <a:t>16</a:t>
+              <a:t>17</a:t>
             </a:fld>
             <a:r>
               <a:rPr lang="en-US" altLang="ko-KR"/>
@@ -19006,39 +18884,38 @@
       </p:sp>
       <p:sp>
         <p:nvSpPr>
-          <p:cNvPr id="6" name="Footer Placeholder 5">
+          <p:cNvPr id="3" name="Rectángulo 2">
             <a:extLst>
               <a:ext uri="{FF2B5EF4-FFF2-40B4-BE49-F238E27FC236}">
-                <a16:creationId xmlns:a16="http://schemas.microsoft.com/office/drawing/2014/main" id="{2D85690B-F642-914A-B5A6-8F01037556D8}"/>
+                <a16:creationId xmlns:a16="http://schemas.microsoft.com/office/drawing/2014/main" id="{49102D65-976E-0247-A182-5FC068FC65E0}"/>
               </a:ext>
             </a:extLst>
           </p:cNvPr>
-          <p:cNvSpPr>
-            <a:spLocks noGrp="1"/>
-          </p:cNvSpPr>
-          <p:nvPr>
-            <p:ph type="ftr" sz="quarter" idx="3"/>
-          </p:nvPr>
+          <p:cNvSpPr/>
+          <p:nvPr/>
         </p:nvSpPr>
-        <p:spPr/>
+        <p:spPr>
+          <a:xfrm>
+            <a:off x="223236" y="5978525"/>
+            <a:ext cx="2553904" cy="369332"/>
+          </a:xfrm>
+          <a:prstGeom prst="rect">
+            <a:avLst/>
+          </a:prstGeom>
+        </p:spPr>
         <p:txBody>
-          <a:bodyPr/>
+          <a:bodyPr wrap="none">
+            <a:spAutoFit/>
+          </a:bodyPr>
           <a:lstStyle/>
           <a:p>
-            <a:pPr fontAlgn="base">
-              <a:spcBef>
-                <a:spcPct val="0"/>
-              </a:spcBef>
-              <a:spcAft>
-                <a:spcPct val="0"/>
-              </a:spcAft>
-              <a:defRPr/>
-            </a:pPr>
-            <a:r>
-              <a:rPr kumimoji="1" lang="en-US" altLang="ko-KR"/>
-              <a:t>Valentin Puente</a:t>
-            </a:r>
-            <a:endParaRPr kumimoji="1" lang="ko-KR" altLang="en-US" dirty="0"/>
+            <a:r>
+              <a:rPr lang="en-US" dirty="0">
+                <a:hlinkClick r:id="rId3"/>
+              </a:rPr>
+              <a:t>https://ohshitgit.com/</a:t>
+            </a:r>
+            <a:endParaRPr lang="en-US" dirty="0"/>
           </a:p>
         </p:txBody>
       </p:sp>
@@ -19058,7 +18935,7 @@
 </p:sld>
 </file>
 
-<file path=ppt/slides/slide17.xml><?xml version="1.0" encoding="utf-8"?>
+<file path=ppt/slides/slide18.xml><?xml version="1.0" encoding="utf-8"?>
 <p:sld xmlns:a="http://schemas.openxmlformats.org/drawingml/2006/main" xmlns:r="http://schemas.openxmlformats.org/officeDocument/2006/relationships" xmlns:p="http://schemas.openxmlformats.org/presentationml/2006/main">
   <p:cSld>
     <p:spTree>
@@ -19093,7 +18970,7 @@
           <a:lstStyle/>
           <a:p>
             <a:r>
-              <a:rPr lang="en-US" dirty="0" err="1"/>
+              <a:rPr lang="en-US" err="1"/>
               <a:t>Gitlab</a:t>
             </a:r>
             <a:r>
@@ -19101,18 +18978,18 @@
               <a:t> Interface</a:t>
             </a:r>
             <a:br>
-              <a:rPr lang="en-US" dirty="0"/>
+              <a:rPr lang="en-US"/>
             </a:br>
             <a:r>
-              <a:rPr lang="en-US" dirty="0"/>
+              <a:rPr lang="en-US"/>
               <a:t>(not needed </a:t>
             </a:r>
             <a:r>
-              <a:rPr lang="en-US" dirty="0" err="1"/>
+              <a:rPr lang="en-US" err="1"/>
               <a:t>git</a:t>
             </a:r>
             <a:r>
-              <a:rPr lang="en-US" dirty="0"/>
+              <a:rPr lang="en-US"/>
               <a:t> deep understanding)</a:t>
             </a:r>
           </a:p>
@@ -19176,7 +19053,7 @@
               <a:rPr lang="es-ES" altLang="ko-KR"/>
               <a:t>AOS@UC</a:t>
             </a:r>
-            <a:endParaRPr lang="en-US" altLang="ko-KR" dirty="0"/>
+            <a:endParaRPr lang="en-US" altLang="ko-KR"/>
           </a:p>
         </p:txBody>
       </p:sp>
@@ -19203,44 +19080,12 @@
               <a:pPr>
                 <a:defRPr/>
               </a:pPr>
-              <a:t>17</a:t>
+              <a:t>18</a:t>
             </a:fld>
             <a:r>
               <a:rPr lang="en-US" altLang="ko-KR"/>
               <a:t> </a:t>
             </a:r>
-          </a:p>
-        </p:txBody>
-      </p:sp>
-      <p:sp>
-        <p:nvSpPr>
-          <p:cNvPr id="6" name="Marcador de pie de página 5"/>
-          <p:cNvSpPr>
-            <a:spLocks noGrp="1"/>
-          </p:cNvSpPr>
-          <p:nvPr>
-            <p:ph type="ftr" sz="quarter" idx="3"/>
-          </p:nvPr>
-        </p:nvSpPr>
-        <p:spPr/>
-        <p:txBody>
-          <a:bodyPr/>
-          <a:lstStyle/>
-          <a:p>
-            <a:pPr fontAlgn="base">
-              <a:spcBef>
-                <a:spcPct val="0"/>
-              </a:spcBef>
-              <a:spcAft>
-                <a:spcPct val="0"/>
-              </a:spcAft>
-              <a:defRPr/>
-            </a:pPr>
-            <a:r>
-              <a:rPr kumimoji="1" lang="en-US" altLang="ko-KR"/>
-              <a:t>Valentin Puente</a:t>
-            </a:r>
-            <a:endParaRPr kumimoji="1" lang="ko-KR" altLang="en-US" dirty="0"/>
           </a:p>
         </p:txBody>
       </p:sp>
@@ -19333,7 +19178,7 @@
 </p:sld>
 </file>
 
-<file path=ppt/slides/slide18.xml><?xml version="1.0" encoding="utf-8"?>
+<file path=ppt/slides/slide19.xml><?xml version="1.0" encoding="utf-8"?>
 <p:sld xmlns:a="http://schemas.openxmlformats.org/drawingml/2006/main" xmlns:r="http://schemas.openxmlformats.org/officeDocument/2006/relationships" xmlns:p="http://schemas.openxmlformats.org/presentationml/2006/main">
   <p:cSld>
     <p:spTree>
@@ -19366,11 +19211,11 @@
           <a:lstStyle/>
           <a:p>
             <a:r>
-              <a:rPr lang="en-US" dirty="0" err="1"/>
+              <a:rPr lang="en-US" err="1"/>
               <a:t>GitLab</a:t>
             </a:r>
             <a:r>
-              <a:rPr lang="en-US" dirty="0"/>
+              <a:rPr lang="en-US"/>
               <a:t> interface (Demo)</a:t>
             </a:r>
           </a:p>
@@ -19440,7 +19285,7 @@
               <a:rPr lang="es-ES" altLang="ko-KR"/>
               <a:t>AOS@UC</a:t>
             </a:r>
-            <a:endParaRPr lang="en-US" altLang="ko-KR" dirty="0"/>
+            <a:endParaRPr lang="en-US" altLang="ko-KR"/>
           </a:p>
         </p:txBody>
       </p:sp>
@@ -19467,44 +19312,12 @@
               <a:pPr>
                 <a:defRPr/>
               </a:pPr>
-              <a:t>18</a:t>
+              <a:t>19</a:t>
             </a:fld>
             <a:r>
               <a:rPr lang="en-US" altLang="ko-KR"/>
               <a:t> </a:t>
             </a:r>
-          </a:p>
-        </p:txBody>
-      </p:sp>
-      <p:sp>
-        <p:nvSpPr>
-          <p:cNvPr id="6" name="Marcador de pie de página 5"/>
-          <p:cNvSpPr>
-            <a:spLocks noGrp="1"/>
-          </p:cNvSpPr>
-          <p:nvPr>
-            <p:ph type="ftr" sz="quarter" idx="3"/>
-          </p:nvPr>
-        </p:nvSpPr>
-        <p:spPr/>
-        <p:txBody>
-          <a:bodyPr/>
-          <a:lstStyle/>
-          <a:p>
-            <a:pPr fontAlgn="base">
-              <a:spcBef>
-                <a:spcPct val="0"/>
-              </a:spcBef>
-              <a:spcAft>
-                <a:spcPct val="0"/>
-              </a:spcAft>
-              <a:defRPr/>
-            </a:pPr>
-            <a:r>
-              <a:rPr kumimoji="1" lang="en-US" altLang="ko-KR"/>
-              <a:t>Valentin Puente</a:t>
-            </a:r>
-            <a:endParaRPr kumimoji="1" lang="ko-KR" altLang="en-US" dirty="0"/>
           </a:p>
         </p:txBody>
       </p:sp>
@@ -19530,7 +19343,7 @@
         </p:blipFill>
         <p:spPr>
           <a:xfrm>
-            <a:off x="2602267" y="2461764"/>
+            <a:off x="2504296" y="2273581"/>
             <a:ext cx="4696358" cy="2888095"/>
           </a:xfrm>
           <a:prstGeom prst="rect">
@@ -19552,271 +19365,6 @@
     <p:extLst>
       <p:ext uri="{BB962C8B-B14F-4D97-AF65-F5344CB8AC3E}">
         <p14:creationId xmlns:p14="http://schemas.microsoft.com/office/powerpoint/2010/main" val="353496294"/>
-      </p:ext>
-    </p:extLst>
-  </p:cSld>
-  <p:clrMapOvr>
-    <a:masterClrMapping/>
-  </p:clrMapOvr>
-  <p:transition>
-    <p:zoom/>
-  </p:transition>
-</p:sld>
-</file>
-
-<file path=ppt/slides/slide19.xml><?xml version="1.0" encoding="utf-8"?>
-<p:sld xmlns:a="http://schemas.openxmlformats.org/drawingml/2006/main" xmlns:r="http://schemas.openxmlformats.org/officeDocument/2006/relationships" xmlns:p="http://schemas.openxmlformats.org/presentationml/2006/main">
-  <p:cSld>
-    <p:spTree>
-      <p:nvGrpSpPr>
-        <p:cNvPr id="1" name=""/>
-        <p:cNvGrpSpPr/>
-        <p:nvPr/>
-      </p:nvGrpSpPr>
-      <p:grpSpPr>
-        <a:xfrm>
-          <a:off x="0" y="0"/>
-          <a:ext cx="0" cy="0"/>
-          <a:chOff x="0" y="0"/>
-          <a:chExt cx="0" cy="0"/>
-        </a:xfrm>
-      </p:grpSpPr>
-      <p:sp>
-        <p:nvSpPr>
-          <p:cNvPr id="2" name="Título 1"/>
-          <p:cNvSpPr>
-            <a:spLocks noGrp="1"/>
-          </p:cNvSpPr>
-          <p:nvPr>
-            <p:ph type="title"/>
-          </p:nvPr>
-        </p:nvSpPr>
-        <p:spPr/>
-        <p:txBody>
-          <a:bodyPr/>
-          <a:lstStyle/>
-          <a:p>
-            <a:r>
-              <a:rPr lang="en-US" dirty="0"/>
-              <a:t>Structure of the repository (Demo)</a:t>
-            </a:r>
-          </a:p>
-        </p:txBody>
-      </p:sp>
-      <p:sp>
-        <p:nvSpPr>
-          <p:cNvPr id="3" name="Marcador de contenido 2"/>
-          <p:cNvSpPr>
-            <a:spLocks noGrp="1"/>
-          </p:cNvSpPr>
-          <p:nvPr>
-            <p:ph idx="1"/>
-          </p:nvPr>
-        </p:nvSpPr>
-        <p:spPr/>
-        <p:txBody>
-          <a:bodyPr/>
-          <a:lstStyle/>
-          <a:p>
-            <a:r>
-              <a:rPr lang="en-US" dirty="0"/>
-              <a:t>Homework's</a:t>
-            </a:r>
-          </a:p>
-          <a:p>
-            <a:pPr lvl="1"/>
-            <a:r>
-              <a:rPr lang="en-US" dirty="0"/>
-              <a:t>Book material</a:t>
-            </a:r>
-          </a:p>
-          <a:p>
-            <a:pPr lvl="1"/>
-            <a:endParaRPr lang="en-US" dirty="0"/>
-          </a:p>
-          <a:p>
-            <a:r>
-              <a:rPr lang="en-US" dirty="0"/>
-              <a:t>Projects</a:t>
-            </a:r>
-          </a:p>
-          <a:p>
-            <a:pPr lvl="1"/>
-            <a:r>
-              <a:rPr lang="en-US" dirty="0"/>
-              <a:t>Develop here. Add a </a:t>
-            </a:r>
-            <a:r>
-              <a:rPr lang="en-US" dirty="0" err="1"/>
-              <a:t>SOLUTION.md</a:t>
-            </a:r>
-            <a:br>
-              <a:rPr lang="en-US" dirty="0"/>
-            </a:br>
-            <a:r>
-              <a:rPr lang="en-US" dirty="0"/>
-              <a:t> at the end on the P{$$} dir.</a:t>
-            </a:r>
-          </a:p>
-          <a:p>
-            <a:endParaRPr lang="en-US" dirty="0"/>
-          </a:p>
-          <a:p>
-            <a:r>
-              <a:rPr lang="en-US" dirty="0"/>
-              <a:t>xv6 </a:t>
-            </a:r>
-          </a:p>
-          <a:p>
-            <a:pPr lvl="1"/>
-            <a:r>
-              <a:rPr lang="en-US" dirty="0"/>
-              <a:t>Source code in the hacking </a:t>
-            </a:r>
-            <a:br>
-              <a:rPr lang="en-US" dirty="0"/>
-            </a:br>
-            <a:r>
-              <a:rPr lang="en-US" dirty="0"/>
-              <a:t>environment used </a:t>
-            </a:r>
-          </a:p>
-        </p:txBody>
-      </p:sp>
-      <p:sp>
-        <p:nvSpPr>
-          <p:cNvPr id="4" name="Marcador de fecha 3"/>
-          <p:cNvSpPr>
-            <a:spLocks noGrp="1"/>
-          </p:cNvSpPr>
-          <p:nvPr>
-            <p:ph type="dt" sz="half" idx="10"/>
-          </p:nvPr>
-        </p:nvSpPr>
-        <p:spPr/>
-        <p:txBody>
-          <a:bodyPr/>
-          <a:lstStyle/>
-          <a:p>
-            <a:pPr>
-              <a:defRPr/>
-            </a:pPr>
-            <a:r>
-              <a:rPr lang="es-ES" altLang="ko-KR"/>
-              <a:t>AOS@UC</a:t>
-            </a:r>
-            <a:endParaRPr lang="en-US" altLang="ko-KR" dirty="0"/>
-          </a:p>
-        </p:txBody>
-      </p:sp>
-      <p:sp>
-        <p:nvSpPr>
-          <p:cNvPr id="5" name="Marcador de número de diapositiva 4"/>
-          <p:cNvSpPr>
-            <a:spLocks noGrp="1"/>
-          </p:cNvSpPr>
-          <p:nvPr>
-            <p:ph type="sldNum" sz="quarter" idx="11"/>
-          </p:nvPr>
-        </p:nvSpPr>
-        <p:spPr/>
-        <p:txBody>
-          <a:bodyPr/>
-          <a:lstStyle/>
-          <a:p>
-            <a:pPr>
-              <a:defRPr/>
-            </a:pPr>
-            <a:fld id="{515CC4ED-1449-4712-AE45-EBC263B4DD26}" type="slidenum">
-              <a:rPr lang="en-US" altLang="ko-KR" smtClean="0"/>
-              <a:pPr>
-                <a:defRPr/>
-              </a:pPr>
-              <a:t>19</a:t>
-            </a:fld>
-            <a:r>
-              <a:rPr lang="en-US" altLang="ko-KR"/>
-              <a:t> </a:t>
-            </a:r>
-          </a:p>
-        </p:txBody>
-      </p:sp>
-      <p:sp>
-        <p:nvSpPr>
-          <p:cNvPr id="6" name="Marcador de pie de página 5"/>
-          <p:cNvSpPr>
-            <a:spLocks noGrp="1"/>
-          </p:cNvSpPr>
-          <p:nvPr>
-            <p:ph type="ftr" sz="quarter" idx="3"/>
-          </p:nvPr>
-        </p:nvSpPr>
-        <p:spPr/>
-        <p:txBody>
-          <a:bodyPr/>
-          <a:lstStyle/>
-          <a:p>
-            <a:pPr fontAlgn="base">
-              <a:spcBef>
-                <a:spcPct val="0"/>
-              </a:spcBef>
-              <a:spcAft>
-                <a:spcPct val="0"/>
-              </a:spcAft>
-              <a:defRPr/>
-            </a:pPr>
-            <a:r>
-              <a:rPr kumimoji="1" lang="en-US" altLang="ko-KR"/>
-              <a:t>Valentin Puente</a:t>
-            </a:r>
-            <a:endParaRPr kumimoji="1" lang="ko-KR" altLang="en-US" dirty="0"/>
-          </a:p>
-        </p:txBody>
-      </p:sp>
-      <p:pic>
-        <p:nvPicPr>
-          <p:cNvPr id="7" name="Imagen 6"/>
-          <p:cNvPicPr>
-            <a:picLocks noChangeAspect="1"/>
-          </p:cNvPicPr>
-          <p:nvPr/>
-        </p:nvPicPr>
-        <p:blipFill>
-          <a:blip r:embed="rId2">
-            <a:extLst>
-              <a:ext uri="{28A0092B-C50C-407E-A947-70E740481C1C}">
-                <a14:useLocalDpi xmlns:a14="http://schemas.microsoft.com/office/drawing/2010/main" val="0"/>
-              </a:ext>
-            </a:extLst>
-          </a:blip>
-          <a:stretch>
-            <a:fillRect/>
-          </a:stretch>
-        </p:blipFill>
-        <p:spPr>
-          <a:xfrm>
-            <a:off x="4799757" y="880069"/>
-            <a:ext cx="3869588" cy="4685386"/>
-          </a:xfrm>
-          <a:prstGeom prst="rect">
-            <a:avLst/>
-          </a:prstGeom>
-          <a:ln>
-            <a:noFill/>
-          </a:ln>
-          <a:effectLst>
-            <a:outerShdw blurRad="292100" dist="139700" dir="2700000" algn="tl" rotWithShape="0">
-              <a:srgbClr val="333333">
-                <a:alpha val="65000"/>
-              </a:srgbClr>
-            </a:outerShdw>
-          </a:effectLst>
-        </p:spPr>
-      </p:pic>
-    </p:spTree>
-    <p:extLst>
-      <p:ext uri="{BB962C8B-B14F-4D97-AF65-F5344CB8AC3E}">
-        <p14:creationId xmlns:p14="http://schemas.microsoft.com/office/powerpoint/2010/main" val="2046993094"/>
       </p:ext>
     </p:extLst>
   </p:cSld>
@@ -19862,7 +19410,7 @@
           <a:lstStyle/>
           <a:p>
             <a:r>
-              <a:rPr lang="en-US" dirty="0"/>
+              <a:rPr lang="en-US"/>
               <a:t>Environment</a:t>
             </a:r>
           </a:p>
@@ -19886,105 +19434,105 @@
           <a:lstStyle/>
           <a:p>
             <a:r>
-              <a:rPr lang="es-ES_tradnl" dirty="0"/>
+              <a:rPr lang="es-ES_tradnl"/>
               <a:t>(</a:t>
             </a:r>
             <a:r>
-              <a:rPr lang="es-ES_tradnl" dirty="0" err="1"/>
+              <a:rPr lang="es-ES_tradnl" err="1"/>
               <a:t>Some</a:t>
             </a:r>
             <a:r>
-              <a:rPr lang="es-ES_tradnl" dirty="0"/>
+              <a:rPr lang="es-ES_tradnl"/>
               <a:t>) </a:t>
             </a:r>
             <a:r>
-              <a:rPr lang="es-ES_tradnl" dirty="0" err="1"/>
+              <a:rPr lang="es-ES_tradnl" err="1"/>
               <a:t>current</a:t>
             </a:r>
             <a:r>
-              <a:rPr lang="es-ES_tradnl" dirty="0"/>
+              <a:rPr lang="es-ES_tradnl"/>
               <a:t> </a:t>
             </a:r>
             <a:r>
-              <a:rPr lang="es-ES_tradnl" dirty="0" err="1"/>
+              <a:rPr lang="es-ES_tradnl" err="1"/>
               <a:t>tools</a:t>
             </a:r>
             <a:r>
-              <a:rPr lang="es-ES_tradnl" dirty="0"/>
+              <a:rPr lang="es-ES_tradnl"/>
               <a:t>  as a “regular” </a:t>
             </a:r>
             <a:r>
-              <a:rPr lang="es-ES_tradnl" dirty="0" err="1"/>
+              <a:rPr lang="es-ES_tradnl" err="1"/>
               <a:t>user</a:t>
             </a:r>
-            <a:endParaRPr lang="es-ES_tradnl" dirty="0"/>
+            <a:endParaRPr lang="es-ES_tradnl"/>
           </a:p>
           <a:p>
             <a:pPr lvl="1"/>
             <a:r>
-              <a:rPr lang="es-ES_tradnl" dirty="0"/>
+              <a:rPr lang="es-ES_tradnl"/>
               <a:t>Virtual Machine </a:t>
             </a:r>
             <a:r>
-              <a:rPr lang="es-ES_tradnl" dirty="0" err="1"/>
+              <a:rPr lang="es-ES_tradnl" err="1"/>
               <a:t>deployment</a:t>
             </a:r>
             <a:r>
-              <a:rPr lang="es-ES_tradnl" dirty="0"/>
+              <a:rPr lang="es-ES_tradnl"/>
               <a:t>/</a:t>
             </a:r>
             <a:r>
-              <a:rPr lang="es-ES_tradnl" dirty="0" err="1"/>
+              <a:rPr lang="es-ES_tradnl" err="1"/>
               <a:t>provisioning</a:t>
             </a:r>
             <a:r>
-              <a:rPr lang="es-ES_tradnl" dirty="0"/>
+              <a:rPr lang="es-ES_tradnl"/>
               <a:t> </a:t>
             </a:r>
             <a:r>
-              <a:rPr lang="es-ES_tradnl" dirty="0" err="1"/>
+              <a:rPr lang="es-ES_tradnl" err="1"/>
               <a:t>system</a:t>
             </a:r>
             <a:r>
-              <a:rPr lang="es-ES_tradnl" dirty="0"/>
+              <a:rPr lang="es-ES_tradnl"/>
               <a:t> (</a:t>
             </a:r>
             <a:r>
-              <a:rPr lang="es-ES_tradnl" dirty="0" err="1"/>
+              <a:rPr lang="es-ES_tradnl" err="1"/>
               <a:t>vagrant</a:t>
             </a:r>
             <a:r>
-              <a:rPr lang="es-ES_tradnl" dirty="0"/>
+              <a:rPr lang="es-ES_tradnl"/>
               <a:t>)</a:t>
             </a:r>
           </a:p>
           <a:p>
             <a:pPr lvl="1"/>
             <a:r>
-              <a:rPr lang="es-ES_tradnl" dirty="0" err="1"/>
+              <a:rPr lang="es-ES_tradnl" err="1"/>
               <a:t>Version</a:t>
             </a:r>
             <a:r>
-              <a:rPr lang="es-ES_tradnl" dirty="0"/>
+              <a:rPr lang="es-ES_tradnl"/>
               <a:t> control </a:t>
             </a:r>
             <a:r>
-              <a:rPr lang="es-ES_tradnl" dirty="0" err="1"/>
+              <a:rPr lang="es-ES_tradnl" err="1"/>
               <a:t>system</a:t>
             </a:r>
             <a:r>
-              <a:rPr lang="es-ES_tradnl" dirty="0"/>
+              <a:rPr lang="es-ES_tradnl"/>
               <a:t> (</a:t>
             </a:r>
             <a:r>
-              <a:rPr lang="es-ES_tradnl" dirty="0" err="1"/>
+              <a:rPr lang="es-ES_tradnl" err="1"/>
               <a:t>git</a:t>
             </a:r>
             <a:r>
-              <a:rPr lang="es-ES_tradnl" dirty="0"/>
+              <a:rPr lang="es-ES_tradnl"/>
               <a:t>)</a:t>
             </a:r>
-            <a:endParaRPr lang="en-US" dirty="0"/>
+            <a:endParaRPr lang="en-US"/>
           </a:p>
         </p:txBody>
       </p:sp>
@@ -20070,14 +19618,47 @@
           </a:p>
         </p:txBody>
       </p:sp>
+    </p:spTree>
+    <p:extLst>
+      <p:ext uri="{BB962C8B-B14F-4D97-AF65-F5344CB8AC3E}">
+        <p14:creationId xmlns:p14="http://schemas.microsoft.com/office/powerpoint/2010/main" val="1174125244"/>
+      </p:ext>
+    </p:extLst>
+  </p:cSld>
+  <p:clrMapOvr>
+    <a:masterClrMapping/>
+  </p:clrMapOvr>
+  <p:transition>
+    <p:zoom/>
+  </p:transition>
+</p:sld>
+</file>
+
+<file path=ppt/slides/slide20.xml><?xml version="1.0" encoding="utf-8"?>
+<p:sld xmlns:a="http://schemas.openxmlformats.org/drawingml/2006/main" xmlns:r="http://schemas.openxmlformats.org/officeDocument/2006/relationships" xmlns:p="http://schemas.openxmlformats.org/presentationml/2006/main">
+  <p:cSld>
+    <p:spTree>
+      <p:nvGrpSpPr>
+        <p:cNvPr id="1" name=""/>
+        <p:cNvGrpSpPr/>
+        <p:nvPr/>
+      </p:nvGrpSpPr>
+      <p:grpSpPr>
+        <a:xfrm>
+          <a:off x="0" y="0"/>
+          <a:ext cx="0" cy="0"/>
+          <a:chOff x="0" y="0"/>
+          <a:chExt cx="0" cy="0"/>
+        </a:xfrm>
+      </p:grpSpPr>
       <p:sp>
         <p:nvSpPr>
-          <p:cNvPr id="7" name="Marcador de pie de página 6"/>
+          <p:cNvPr id="2" name="Título 1"/>
           <p:cNvSpPr>
             <a:spLocks noGrp="1"/>
           </p:cNvSpPr>
           <p:nvPr>
-            <p:ph type="ftr" sz="quarter" idx="3"/>
+            <p:ph type="title"/>
           </p:nvPr>
         </p:nvSpPr>
         <p:spPr/>
@@ -20085,27 +19666,477 @@
           <a:bodyPr/>
           <a:lstStyle/>
           <a:p>
-            <a:pPr fontAlgn="base">
-              <a:spcBef>
-                <a:spcPct val="0"/>
-              </a:spcBef>
-              <a:spcAft>
-                <a:spcPct val="0"/>
-              </a:spcAft>
+            <a:r>
+              <a:rPr lang="en-US"/>
+              <a:t>Structure of the repository (Demo)</a:t>
+            </a:r>
+          </a:p>
+        </p:txBody>
+      </p:sp>
+      <p:sp>
+        <p:nvSpPr>
+          <p:cNvPr id="3" name="Marcador de contenido 2"/>
+          <p:cNvSpPr>
+            <a:spLocks noGrp="1"/>
+          </p:cNvSpPr>
+          <p:nvPr>
+            <p:ph idx="1"/>
+          </p:nvPr>
+        </p:nvSpPr>
+        <p:spPr/>
+        <p:txBody>
+          <a:bodyPr/>
+          <a:lstStyle/>
+          <a:p>
+            <a:r>
+              <a:rPr lang="en-US" dirty="0"/>
+              <a:t>Homework's</a:t>
+            </a:r>
+          </a:p>
+          <a:p>
+            <a:pPr lvl="1"/>
+            <a:r>
+              <a:rPr lang="en-US" dirty="0"/>
+              <a:t>Book material</a:t>
+            </a:r>
+          </a:p>
+          <a:p>
+            <a:pPr lvl="1"/>
+            <a:endParaRPr lang="en-US" dirty="0"/>
+          </a:p>
+          <a:p>
+            <a:r>
+              <a:rPr lang="en-US" dirty="0"/>
+              <a:t>Projects</a:t>
+            </a:r>
+          </a:p>
+          <a:p>
+            <a:pPr lvl="1"/>
+            <a:r>
+              <a:rPr lang="en-US" dirty="0"/>
+              <a:t>Develop here. Commit progressively</a:t>
+            </a:r>
+          </a:p>
+          <a:p>
+            <a:endParaRPr lang="en-US" dirty="0"/>
+          </a:p>
+          <a:p>
+            <a:r>
+              <a:rPr lang="en-US" dirty="0"/>
+              <a:t>Tests</a:t>
+            </a:r>
+          </a:p>
+          <a:p>
+            <a:pPr lvl="1"/>
+            <a:r>
+              <a:rPr lang="en-US" dirty="0"/>
+              <a:t>Auto tests for the projects</a:t>
+            </a:r>
+          </a:p>
+        </p:txBody>
+      </p:sp>
+      <p:sp>
+        <p:nvSpPr>
+          <p:cNvPr id="4" name="Marcador de fecha 3"/>
+          <p:cNvSpPr>
+            <a:spLocks noGrp="1"/>
+          </p:cNvSpPr>
+          <p:nvPr>
+            <p:ph type="dt" sz="half" idx="10"/>
+          </p:nvPr>
+        </p:nvSpPr>
+        <p:spPr/>
+        <p:txBody>
+          <a:bodyPr/>
+          <a:lstStyle/>
+          <a:p>
+            <a:pPr>
               <a:defRPr/>
             </a:pPr>
             <a:r>
-              <a:rPr kumimoji="1" lang="en-US" altLang="ko-KR"/>
-              <a:t>Valentin Puente</a:t>
-            </a:r>
-            <a:endParaRPr kumimoji="1" lang="ko-KR" altLang="en-US" dirty="0"/>
+              <a:rPr lang="es-ES" altLang="ko-KR"/>
+              <a:t>AOS@UC</a:t>
+            </a:r>
+            <a:endParaRPr lang="en-US" altLang="ko-KR"/>
+          </a:p>
+        </p:txBody>
+      </p:sp>
+      <p:sp>
+        <p:nvSpPr>
+          <p:cNvPr id="5" name="Marcador de número de diapositiva 4"/>
+          <p:cNvSpPr>
+            <a:spLocks noGrp="1"/>
+          </p:cNvSpPr>
+          <p:nvPr>
+            <p:ph type="sldNum" sz="quarter" idx="11"/>
+          </p:nvPr>
+        </p:nvSpPr>
+        <p:spPr/>
+        <p:txBody>
+          <a:bodyPr/>
+          <a:lstStyle/>
+          <a:p>
+            <a:pPr>
+              <a:defRPr/>
+            </a:pPr>
+            <a:fld id="{515CC4ED-1449-4712-AE45-EBC263B4DD26}" type="slidenum">
+              <a:rPr lang="en-US" altLang="ko-KR" smtClean="0"/>
+              <a:pPr>
+                <a:defRPr/>
+              </a:pPr>
+              <a:t>20</a:t>
+            </a:fld>
+            <a:r>
+              <a:rPr lang="en-US" altLang="ko-KR"/>
+              <a:t> </a:t>
+            </a:r>
+          </a:p>
+        </p:txBody>
+      </p:sp>
+      <p:pic>
+        <p:nvPicPr>
+          <p:cNvPr id="7" name="Imagen 6"/>
+          <p:cNvPicPr>
+            <a:picLocks noChangeAspect="1"/>
+          </p:cNvPicPr>
+          <p:nvPr/>
+        </p:nvPicPr>
+        <p:blipFill>
+          <a:blip r:embed="rId2">
+            <a:extLst>
+              <a:ext uri="{28A0092B-C50C-407E-A947-70E740481C1C}">
+                <a14:useLocalDpi xmlns:a14="http://schemas.microsoft.com/office/drawing/2010/main" val="0"/>
+              </a:ext>
+            </a:extLst>
+          </a:blip>
+          <a:stretch>
+            <a:fillRect/>
+          </a:stretch>
+        </p:blipFill>
+        <p:spPr>
+          <a:xfrm>
+            <a:off x="5169871" y="1228412"/>
+            <a:ext cx="3869588" cy="4685386"/>
+          </a:xfrm>
+          <a:prstGeom prst="rect">
+            <a:avLst/>
+          </a:prstGeom>
+          <a:ln>
+            <a:noFill/>
+          </a:ln>
+          <a:effectLst>
+            <a:outerShdw blurRad="292100" dist="139700" dir="2700000" algn="tl" rotWithShape="0">
+              <a:srgbClr val="333333">
+                <a:alpha val="65000"/>
+              </a:srgbClr>
+            </a:outerShdw>
+          </a:effectLst>
+        </p:spPr>
+      </p:pic>
+    </p:spTree>
+    <p:extLst>
+      <p:ext uri="{BB962C8B-B14F-4D97-AF65-F5344CB8AC3E}">
+        <p14:creationId xmlns:p14="http://schemas.microsoft.com/office/powerpoint/2010/main" val="2046993094"/>
+      </p:ext>
+    </p:extLst>
+  </p:cSld>
+  <p:clrMapOvr>
+    <a:masterClrMapping/>
+  </p:clrMapOvr>
+  <p:transition>
+    <p:zoom/>
+  </p:transition>
+</p:sld>
+</file>
+
+<file path=ppt/slides/slide21.xml><?xml version="1.0" encoding="utf-8"?>
+<p:sld xmlns:a="http://schemas.openxmlformats.org/drawingml/2006/main" xmlns:r="http://schemas.openxmlformats.org/officeDocument/2006/relationships" xmlns:p="http://schemas.openxmlformats.org/presentationml/2006/main">
+  <p:cSld>
+    <p:spTree>
+      <p:nvGrpSpPr>
+        <p:cNvPr id="1" name=""/>
+        <p:cNvGrpSpPr/>
+        <p:nvPr/>
+      </p:nvGrpSpPr>
+      <p:grpSpPr>
+        <a:xfrm>
+          <a:off x="0" y="0"/>
+          <a:ext cx="0" cy="0"/>
+          <a:chOff x="0" y="0"/>
+          <a:chExt cx="0" cy="0"/>
+        </a:xfrm>
+      </p:grpSpPr>
+      <p:sp>
+        <p:nvSpPr>
+          <p:cNvPr id="2" name="Título 1">
+            <a:extLst>
+              <a:ext uri="{FF2B5EF4-FFF2-40B4-BE49-F238E27FC236}">
+                <a16:creationId xmlns:a16="http://schemas.microsoft.com/office/drawing/2014/main" id="{D341D5FC-EC8F-0040-A7FA-6CB4503C4C84}"/>
+              </a:ext>
+            </a:extLst>
+          </p:cNvPr>
+          <p:cNvSpPr>
+            <a:spLocks noGrp="1"/>
+          </p:cNvSpPr>
+          <p:nvPr>
+            <p:ph type="title"/>
+          </p:nvPr>
+        </p:nvSpPr>
+        <p:spPr/>
+        <p:txBody>
+          <a:bodyPr/>
+          <a:lstStyle/>
+          <a:p>
+            <a:r>
+              <a:rPr lang="en-US" dirty="0"/>
+              <a:t>Cautionary Tale</a:t>
+            </a:r>
+          </a:p>
+        </p:txBody>
+      </p:sp>
+      <p:sp>
+        <p:nvSpPr>
+          <p:cNvPr id="3" name="Marcador de contenido 2">
+            <a:extLst>
+              <a:ext uri="{FF2B5EF4-FFF2-40B4-BE49-F238E27FC236}">
+                <a16:creationId xmlns:a16="http://schemas.microsoft.com/office/drawing/2014/main" id="{DF748BE3-F00C-624D-9285-A697163DA50E}"/>
+              </a:ext>
+            </a:extLst>
+          </p:cNvPr>
+          <p:cNvSpPr>
+            <a:spLocks noGrp="1"/>
+          </p:cNvSpPr>
+          <p:nvPr>
+            <p:ph idx="1"/>
+          </p:nvPr>
+        </p:nvSpPr>
+        <p:spPr>
+          <a:xfrm>
+            <a:off x="178594" y="858298"/>
+            <a:ext cx="8786812" cy="5562007"/>
+          </a:xfrm>
+        </p:spPr>
+        <p:txBody>
+          <a:bodyPr/>
+          <a:lstStyle/>
+          <a:p>
+            <a:r>
+              <a:rPr lang="es-ES" dirty="0"/>
+              <a:t>“</a:t>
+            </a:r>
+            <a:r>
+              <a:rPr lang="es-ES" dirty="0" err="1"/>
+              <a:t>good</a:t>
+            </a:r>
+            <a:r>
+              <a:rPr lang="es-ES" dirty="0"/>
+              <a:t> </a:t>
+            </a:r>
+            <a:r>
+              <a:rPr lang="es-ES" dirty="0" err="1"/>
+              <a:t>artists</a:t>
+            </a:r>
+            <a:r>
+              <a:rPr lang="es-ES" dirty="0"/>
+              <a:t> </a:t>
+            </a:r>
+            <a:r>
+              <a:rPr lang="es-ES" dirty="0" err="1"/>
+              <a:t>copy</a:t>
+            </a:r>
+            <a:r>
+              <a:rPr lang="es-ES" dirty="0"/>
+              <a:t>, </a:t>
+            </a:r>
+            <a:r>
+              <a:rPr lang="es-ES" dirty="0" err="1"/>
+              <a:t>great</a:t>
+            </a:r>
+            <a:r>
+              <a:rPr lang="es-ES" dirty="0"/>
+              <a:t> </a:t>
+            </a:r>
+            <a:r>
+              <a:rPr lang="es-ES" dirty="0" err="1"/>
+              <a:t>artists</a:t>
+            </a:r>
+            <a:r>
+              <a:rPr lang="es-ES" dirty="0"/>
+              <a:t> </a:t>
+            </a:r>
+            <a:r>
+              <a:rPr lang="es-ES" dirty="0" err="1"/>
+              <a:t>steal</a:t>
+            </a:r>
+            <a:r>
+              <a:rPr lang="es-ES" dirty="0"/>
+              <a:t>” --Picasso</a:t>
+            </a:r>
+            <a:endParaRPr lang="en-US" dirty="0"/>
+          </a:p>
+        </p:txBody>
+      </p:sp>
+      <p:sp>
+        <p:nvSpPr>
+          <p:cNvPr id="4" name="Marcador de fecha 3">
+            <a:extLst>
+              <a:ext uri="{FF2B5EF4-FFF2-40B4-BE49-F238E27FC236}">
+                <a16:creationId xmlns:a16="http://schemas.microsoft.com/office/drawing/2014/main" id="{14C3F3DC-513F-C842-9B03-B6D28ABDD3C9}"/>
+              </a:ext>
+            </a:extLst>
+          </p:cNvPr>
+          <p:cNvSpPr>
+            <a:spLocks noGrp="1"/>
+          </p:cNvSpPr>
+          <p:nvPr>
+            <p:ph type="dt" sz="half" idx="10"/>
+          </p:nvPr>
+        </p:nvSpPr>
+        <p:spPr/>
+        <p:txBody>
+          <a:bodyPr/>
+          <a:lstStyle/>
+          <a:p>
+            <a:pPr>
+              <a:defRPr/>
+            </a:pPr>
+            <a:r>
+              <a:rPr lang="es-ES" altLang="ko-KR"/>
+              <a:t>AOS@UC</a:t>
+            </a:r>
+            <a:endParaRPr lang="en-US" altLang="ko-KR"/>
+          </a:p>
+        </p:txBody>
+      </p:sp>
+      <p:sp>
+        <p:nvSpPr>
+          <p:cNvPr id="5" name="Marcador de número de diapositiva 4">
+            <a:extLst>
+              <a:ext uri="{FF2B5EF4-FFF2-40B4-BE49-F238E27FC236}">
+                <a16:creationId xmlns:a16="http://schemas.microsoft.com/office/drawing/2014/main" id="{2F94725D-328C-6D47-8EA8-38FB204C666D}"/>
+              </a:ext>
+            </a:extLst>
+          </p:cNvPr>
+          <p:cNvSpPr>
+            <a:spLocks noGrp="1"/>
+          </p:cNvSpPr>
+          <p:nvPr>
+            <p:ph type="sldNum" sz="quarter" idx="11"/>
+          </p:nvPr>
+        </p:nvSpPr>
+        <p:spPr/>
+        <p:txBody>
+          <a:bodyPr/>
+          <a:lstStyle/>
+          <a:p>
+            <a:pPr>
+              <a:defRPr/>
+            </a:pPr>
+            <a:fld id="{515CC4ED-1449-4712-AE45-EBC263B4DD26}" type="slidenum">
+              <a:rPr lang="en-US" altLang="ko-KR" smtClean="0"/>
+              <a:pPr>
+                <a:defRPr/>
+              </a:pPr>
+              <a:t>21</a:t>
+            </a:fld>
+            <a:r>
+              <a:rPr lang="en-US" altLang="ko-KR"/>
+              <a:t> </a:t>
+            </a:r>
+          </a:p>
+        </p:txBody>
+      </p:sp>
+      <p:pic>
+        <p:nvPicPr>
+          <p:cNvPr id="2052" name="Picture 4" descr="r/ProgrammerHumor - cho cho">
+            <a:extLst>
+              <a:ext uri="{FF2B5EF4-FFF2-40B4-BE49-F238E27FC236}">
+                <a16:creationId xmlns:a16="http://schemas.microsoft.com/office/drawing/2014/main" id="{9D3246BE-33CA-F148-B90C-477B52630805}"/>
+              </a:ext>
+            </a:extLst>
+          </p:cNvPr>
+          <p:cNvPicPr>
+            <a:picLocks noChangeAspect="1" noChangeArrowheads="1"/>
+          </p:cNvPicPr>
+          <p:nvPr/>
+        </p:nvPicPr>
+        <p:blipFill>
+          <a:blip r:embed="rId2">
+            <a:extLst>
+              <a:ext uri="{28A0092B-C50C-407E-A947-70E740481C1C}">
+                <a14:useLocalDpi xmlns:a14="http://schemas.microsoft.com/office/drawing/2010/main" val="0"/>
+              </a:ext>
+            </a:extLst>
+          </a:blip>
+          <a:srcRect/>
+          <a:stretch>
+            <a:fillRect/>
+          </a:stretch>
+        </p:blipFill>
+        <p:spPr bwMode="auto">
+          <a:xfrm>
+            <a:off x="2527361" y="1427262"/>
+            <a:ext cx="3891810" cy="5029200"/>
+          </a:xfrm>
+          <a:prstGeom prst="rect">
+            <a:avLst/>
+          </a:prstGeom>
+          <a:noFill/>
+          <a:extLst>
+            <a:ext uri="{909E8E84-426E-40DD-AFC4-6F175D3DCCD1}">
+              <a14:hiddenFill xmlns:a14="http://schemas.microsoft.com/office/drawing/2010/main">
+                <a:solidFill>
+                  <a:srgbClr val="FFFFFF"/>
+                </a:solidFill>
+              </a14:hiddenFill>
+            </a:ext>
+          </a:extLst>
+        </p:spPr>
+      </p:pic>
+      <p:sp>
+        <p:nvSpPr>
+          <p:cNvPr id="8" name="CuadroTexto 7">
+            <a:extLst>
+              <a:ext uri="{FF2B5EF4-FFF2-40B4-BE49-F238E27FC236}">
+                <a16:creationId xmlns:a16="http://schemas.microsoft.com/office/drawing/2014/main" id="{7CD69CCF-9D54-874F-8C19-0D8272DE305D}"/>
+              </a:ext>
+            </a:extLst>
+          </p:cNvPr>
+          <p:cNvSpPr txBox="1"/>
+          <p:nvPr/>
+        </p:nvSpPr>
+        <p:spPr>
+          <a:xfrm>
+            <a:off x="6576611" y="5934730"/>
+            <a:ext cx="2388795" cy="369332"/>
+          </a:xfrm>
+          <a:prstGeom prst="rect">
+            <a:avLst/>
+          </a:prstGeom>
+          <a:noFill/>
+        </p:spPr>
+        <p:txBody>
+          <a:bodyPr wrap="none" rtlCol="0">
+            <a:spAutoFit/>
+          </a:bodyPr>
+          <a:lstStyle/>
+          <a:p>
+            <a:r>
+              <a:rPr lang="en-US" dirty="0"/>
+              <a:t>r/</a:t>
+            </a:r>
+            <a:r>
+              <a:rPr lang="en-US" dirty="0" err="1"/>
+              <a:t>ProgrammerHumor</a:t>
+            </a:r>
+            <a:endParaRPr lang="en-US" dirty="0"/>
           </a:p>
         </p:txBody>
       </p:sp>
     </p:spTree>
     <p:extLst>
       <p:ext uri="{BB962C8B-B14F-4D97-AF65-F5344CB8AC3E}">
-        <p14:creationId xmlns:p14="http://schemas.microsoft.com/office/powerpoint/2010/main" val="1174125244"/>
+        <p14:creationId xmlns:p14="http://schemas.microsoft.com/office/powerpoint/2010/main" val="2517210469"/>
       </p:ext>
     </p:extLst>
   </p:cSld>
@@ -20151,7 +20182,7 @@
           <a:lstStyle/>
           <a:p>
             <a:r>
-              <a:rPr lang="en-US" dirty="0"/>
+              <a:rPr lang="en-US"/>
               <a:t>Vagrant </a:t>
             </a:r>
           </a:p>
@@ -20175,78 +20206,78 @@
           <a:lstStyle/>
           <a:p>
             <a:r>
-              <a:rPr lang="en-US" dirty="0"/>
+              <a:rPr lang="en-US"/>
               <a:t>It’s a abstraction layer on top of any virtualization layer</a:t>
             </a:r>
           </a:p>
           <a:p>
             <a:pPr lvl="1"/>
             <a:r>
-              <a:rPr lang="en-US" dirty="0"/>
+              <a:rPr lang="en-US"/>
               <a:t>Works with </a:t>
             </a:r>
             <a:r>
-              <a:rPr lang="en-US" dirty="0" err="1"/>
+              <a:rPr lang="en-US" err="1"/>
               <a:t>VirtualBox</a:t>
             </a:r>
             <a:r>
-              <a:rPr lang="en-US" dirty="0"/>
+              <a:rPr lang="en-US"/>
               <a:t>, </a:t>
             </a:r>
             <a:r>
-              <a:rPr lang="en-US" dirty="0" err="1"/>
+              <a:rPr lang="en-US" err="1"/>
               <a:t>Vmware</a:t>
             </a:r>
             <a:r>
-              <a:rPr lang="en-US" dirty="0"/>
+              <a:rPr lang="en-US"/>
               <a:t>, Hyper-V, …, </a:t>
             </a:r>
             <a:r>
-              <a:rPr lang="en-US" dirty="0" err="1"/>
+              <a:rPr lang="en-US" err="1"/>
               <a:t>lxc</a:t>
             </a:r>
             <a:r>
-              <a:rPr lang="en-US" dirty="0"/>
+              <a:rPr lang="en-US"/>
               <a:t>, </a:t>
             </a:r>
             <a:r>
-              <a:rPr lang="en-US" dirty="0" err="1"/>
+              <a:rPr lang="en-US" err="1"/>
               <a:t>docker</a:t>
             </a:r>
             <a:r>
-              <a:rPr lang="en-US" dirty="0"/>
+              <a:rPr lang="en-US"/>
               <a:t>, etc…</a:t>
             </a:r>
           </a:p>
           <a:p>
             <a:pPr lvl="1"/>
             <a:r>
-              <a:rPr lang="en-US" dirty="0"/>
+              <a:rPr lang="en-US"/>
               <a:t>Although the lab work can be done with plain </a:t>
             </a:r>
             <a:r>
-              <a:rPr lang="en-US" dirty="0" err="1"/>
+              <a:rPr lang="en-US" err="1"/>
               <a:t>VirtualBox</a:t>
             </a:r>
             <a:r>
-              <a:rPr lang="en-US" dirty="0"/>
+              <a:rPr lang="en-US"/>
               <a:t>, vagrant is recommended to avoid the hassle of crude virtual machines (VM)</a:t>
             </a:r>
           </a:p>
           <a:p>
             <a:pPr lvl="1"/>
             <a:r>
-              <a:rPr lang="en-US" dirty="0"/>
+              <a:rPr lang="en-US"/>
               <a:t>Used as a “simplification” tool for VM handling</a:t>
             </a:r>
           </a:p>
           <a:p>
             <a:pPr lvl="1"/>
-            <a:endParaRPr lang="en-US" dirty="0"/>
-          </a:p>
-          <a:p>
-            <a:r>
-              <a:rPr lang="en-US" dirty="0"/>
+            <a:endParaRPr lang="en-US"/>
+          </a:p>
+          <a:p>
+            <a:r>
+              <a:rPr lang="en-US"/>
               <a:t>Recipe</a:t>
             </a:r>
           </a:p>
@@ -20256,15 +20287,15 @@
               <a:buAutoNum type="arabicPeriod"/>
             </a:pPr>
             <a:r>
-              <a:rPr lang="en-US" dirty="0"/>
+              <a:rPr lang="en-US"/>
               <a:t>Install vagrant and </a:t>
             </a:r>
             <a:r>
-              <a:rPr lang="en-US" dirty="0" err="1"/>
+              <a:rPr lang="en-US" err="1"/>
               <a:t>VirtualBox</a:t>
             </a:r>
             <a:r>
-              <a:rPr lang="en-US" dirty="0"/>
+              <a:rPr lang="en-US"/>
               <a:t> (Linux/Windows/OSX)</a:t>
             </a:r>
           </a:p>
@@ -20274,7 +20305,7 @@
               <a:buAutoNum type="arabicPeriod"/>
             </a:pPr>
             <a:r>
-              <a:rPr lang="en-US" dirty="0" err="1">
+              <a:rPr lang="en-US" err="1">
                 <a:latin typeface="Courier" charset="0"/>
                 <a:ea typeface="Courier" charset="0"/>
                 <a:cs typeface="Courier" charset="0"/>
@@ -20282,7 +20313,7 @@
               <a:t>mkdir</a:t>
             </a:r>
             <a:r>
-              <a:rPr lang="en-US" dirty="0">
+              <a:rPr lang="en-US">
                 <a:latin typeface="Courier" charset="0"/>
                 <a:ea typeface="Courier" charset="0"/>
                 <a:cs typeface="Courier" charset="0"/>
@@ -20290,14 +20321,14 @@
               <a:t> </a:t>
             </a:r>
             <a:r>
-              <a:rPr lang="en-US" dirty="0" err="1">
+              <a:rPr lang="en-US" err="1">
                 <a:latin typeface="Courier" charset="0"/>
                 <a:ea typeface="Courier" charset="0"/>
                 <a:cs typeface="Courier" charset="0"/>
               </a:rPr>
               <a:t>myWorkingDir</a:t>
             </a:r>
-            <a:endParaRPr lang="en-US" dirty="0">
+            <a:endParaRPr lang="en-US">
               <a:latin typeface="Courier" charset="0"/>
               <a:ea typeface="Courier" charset="0"/>
               <a:cs typeface="Courier" charset="0"/>
@@ -20309,7 +20340,7 @@
               <a:buAutoNum type="arabicPeriod"/>
             </a:pPr>
             <a:r>
-              <a:rPr lang="en-US" dirty="0">
+              <a:rPr lang="en-US">
                 <a:latin typeface="Courier" charset="0"/>
                 <a:ea typeface="Courier" charset="0"/>
                 <a:cs typeface="Courier" charset="0"/>
@@ -20317,7 +20348,7 @@
               <a:t>vagrant </a:t>
             </a:r>
             <a:r>
-              <a:rPr lang="en-US" dirty="0" err="1">
+              <a:rPr lang="en-US" err="1">
                 <a:latin typeface="Courier" charset="0"/>
                 <a:ea typeface="Courier" charset="0"/>
                 <a:cs typeface="Courier" charset="0"/>
@@ -20325,7 +20356,7 @@
               <a:t>init</a:t>
             </a:r>
             <a:r>
-              <a:rPr lang="en-US" dirty="0">
+              <a:rPr lang="en-US">
                 <a:latin typeface="Courier" charset="0"/>
                 <a:ea typeface="Courier" charset="0"/>
                 <a:cs typeface="Courier" charset="0"/>
@@ -20333,7 +20364,7 @@
               <a:t> </a:t>
             </a:r>
             <a:r>
-              <a:rPr lang="en-US" dirty="0" err="1">
+              <a:rPr lang="en-US" err="1">
                 <a:latin typeface="Courier" charset="0"/>
                 <a:ea typeface="Courier" charset="0"/>
                 <a:cs typeface="Courier" charset="0"/>
@@ -20341,7 +20372,7 @@
               <a:t>debian</a:t>
             </a:r>
             <a:r>
-              <a:rPr lang="en-US" dirty="0">
+              <a:rPr lang="en-US">
                 <a:latin typeface="Courier" charset="0"/>
                 <a:ea typeface="Courier" charset="0"/>
                 <a:cs typeface="Courier" charset="0"/>
@@ -20355,7 +20386,7 @@
               <a:buAutoNum type="arabicPeriod"/>
             </a:pPr>
             <a:r>
-              <a:rPr lang="en-US" dirty="0">
+              <a:rPr lang="en-US">
                 <a:latin typeface="Courier" charset="0"/>
                 <a:ea typeface="Courier" charset="0"/>
                 <a:cs typeface="Courier" charset="0"/>
@@ -20369,7 +20400,7 @@
               <a:buAutoNum type="arabicPeriod"/>
             </a:pPr>
             <a:r>
-              <a:rPr lang="en-US" dirty="0">
+              <a:rPr lang="en-US">
                 <a:latin typeface="Courier" charset="0"/>
                 <a:ea typeface="Courier" charset="0"/>
                 <a:cs typeface="Courier" charset="0"/>
@@ -20377,7 +20408,7 @@
               <a:t>vagrant </a:t>
             </a:r>
             <a:r>
-              <a:rPr lang="en-US" dirty="0" err="1">
+              <a:rPr lang="en-US" err="1">
                 <a:latin typeface="Courier" charset="0"/>
                 <a:ea typeface="Courier" charset="0"/>
                 <a:cs typeface="Courier" charset="0"/>
@@ -20385,7 +20416,7 @@
               <a:t>ssh</a:t>
             </a:r>
             <a:r>
-              <a:rPr lang="en-US" dirty="0">
+              <a:rPr lang="en-US">
                 <a:latin typeface="Courier" charset="0"/>
                 <a:ea typeface="Courier" charset="0"/>
                 <a:cs typeface="Courier" charset="0"/>
@@ -20417,7 +20448,7 @@
               <a:rPr lang="es-ES" altLang="ko-KR"/>
               <a:t>AOS@UC</a:t>
             </a:r>
-            <a:endParaRPr lang="en-US" altLang="ko-KR" dirty="0"/>
+            <a:endParaRPr lang="en-US" altLang="ko-KR"/>
           </a:p>
         </p:txBody>
       </p:sp>
@@ -20450,38 +20481,6 @@
               <a:rPr lang="en-US" altLang="ko-KR"/>
               <a:t> </a:t>
             </a:r>
-          </a:p>
-        </p:txBody>
-      </p:sp>
-      <p:sp>
-        <p:nvSpPr>
-          <p:cNvPr id="7" name="Marcador de pie de página 6"/>
-          <p:cNvSpPr>
-            <a:spLocks noGrp="1"/>
-          </p:cNvSpPr>
-          <p:nvPr>
-            <p:ph type="ftr" sz="quarter" idx="3"/>
-          </p:nvPr>
-        </p:nvSpPr>
-        <p:spPr/>
-        <p:txBody>
-          <a:bodyPr/>
-          <a:lstStyle/>
-          <a:p>
-            <a:pPr fontAlgn="base">
-              <a:spcBef>
-                <a:spcPct val="0"/>
-              </a:spcBef>
-              <a:spcAft>
-                <a:spcPct val="0"/>
-              </a:spcAft>
-              <a:defRPr/>
-            </a:pPr>
-            <a:r>
-              <a:rPr kumimoji="1" lang="en-US" altLang="ko-KR"/>
-              <a:t>Valentin Puente</a:t>
-            </a:r>
-            <a:endParaRPr kumimoji="1" lang="ko-KR" altLang="en-US" dirty="0"/>
           </a:p>
         </p:txBody>
       </p:sp>
@@ -20529,7 +20528,7 @@
           <a:lstStyle/>
           <a:p>
             <a:r>
-              <a:rPr lang="en-US" dirty="0"/>
+              <a:rPr lang="en-US"/>
               <a:t>How to work with vagrant</a:t>
             </a:r>
           </a:p>
@@ -20553,20 +20552,20 @@
           <a:lstStyle/>
           <a:p>
             <a:r>
-              <a:rPr lang="en-US" dirty="0"/>
+              <a:rPr lang="en-US"/>
               <a:t>Boxes != instances</a:t>
             </a:r>
           </a:p>
           <a:p>
             <a:r>
-              <a:rPr lang="en-US" dirty="0"/>
+              <a:rPr lang="en-US"/>
               <a:t>List boxes</a:t>
             </a:r>
           </a:p>
           <a:p>
             <a:pPr lvl="1"/>
             <a:r>
-              <a:rPr lang="en-US" dirty="0">
+              <a:rPr lang="en-US">
                 <a:latin typeface="Courier" charset="0"/>
                 <a:ea typeface="Courier" charset="0"/>
                 <a:cs typeface="Courier" charset="0"/>
@@ -20576,14 +20575,14 @@
           </a:p>
           <a:p>
             <a:r>
-              <a:rPr lang="en-US" dirty="0"/>
+              <a:rPr lang="en-US"/>
               <a:t>Create a new instance (persistent)</a:t>
             </a:r>
           </a:p>
           <a:p>
             <a:pPr lvl="1"/>
             <a:r>
-              <a:rPr lang="en-US" dirty="0" err="1">
+              <a:rPr lang="en-US" err="1">
                 <a:latin typeface="Courier" charset="0"/>
                 <a:ea typeface="Courier" charset="0"/>
                 <a:cs typeface="Courier" charset="0"/>
@@ -20591,7 +20590,7 @@
               <a:t>mkdir</a:t>
             </a:r>
             <a:r>
-              <a:rPr lang="en-US" dirty="0">
+              <a:rPr lang="en-US">
                 <a:latin typeface="Courier" charset="0"/>
                 <a:ea typeface="Courier" charset="0"/>
                 <a:cs typeface="Courier" charset="0"/>
@@ -20599,14 +20598,14 @@
               <a:t> directory; cd directory; Vagrant init </a:t>
             </a:r>
             <a:r>
-              <a:rPr lang="en-US" dirty="0" err="1">
+              <a:rPr lang="en-US" err="1">
                 <a:latin typeface="Courier" charset="0"/>
                 <a:ea typeface="Courier" charset="0"/>
                 <a:cs typeface="Courier" charset="0"/>
               </a:rPr>
               <a:t>some_box</a:t>
             </a:r>
-            <a:endParaRPr lang="en-US" dirty="0">
+            <a:endParaRPr lang="en-US">
               <a:latin typeface="Courier" charset="0"/>
               <a:ea typeface="Courier" charset="0"/>
               <a:cs typeface="Courier" charset="0"/>
@@ -20614,29 +20613,29 @@
           </a:p>
           <a:p>
             <a:pPr lvl="1"/>
-            <a:endParaRPr lang="en-US" dirty="0"/>
-          </a:p>
-          <a:p>
-            <a:r>
-              <a:rPr lang="en-US" dirty="0"/>
+            <a:endParaRPr lang="en-US"/>
+          </a:p>
+          <a:p>
+            <a:r>
+              <a:rPr lang="en-US"/>
               <a:t>File interaction</a:t>
             </a:r>
           </a:p>
           <a:p>
             <a:pPr lvl="1"/>
             <a:r>
-              <a:rPr lang="en-US" dirty="0"/>
+              <a:rPr lang="en-US"/>
               <a:t>Use the shared dir and work in the host</a:t>
             </a:r>
           </a:p>
           <a:p>
             <a:pPr lvl="2"/>
             <a:r>
-              <a:rPr lang="en-US" dirty="0"/>
+              <a:rPr lang="en-US"/>
               <a:t>/</a:t>
             </a:r>
             <a:r>
-              <a:rPr lang="en-US" dirty="0">
+              <a:rPr lang="en-US">
                 <a:latin typeface="Courier" charset="0"/>
                 <a:ea typeface="Courier" charset="0"/>
                 <a:cs typeface="Courier" charset="0"/>
@@ -20644,96 +20643,96 @@
               <a:t>vagrant</a:t>
             </a:r>
             <a:r>
-              <a:rPr lang="en-US" dirty="0"/>
+              <a:rPr lang="en-US"/>
               <a:t> directory is working directory in host</a:t>
             </a:r>
           </a:p>
           <a:p>
             <a:pPr lvl="2"/>
             <a:r>
-              <a:rPr lang="en-US" dirty="0"/>
+              <a:rPr lang="en-US"/>
               <a:t>Requires </a:t>
             </a:r>
             <a:r>
-              <a:rPr lang="en-US" dirty="0" err="1"/>
+              <a:rPr lang="en-US" err="1"/>
               <a:t>VirtualBox</a:t>
             </a:r>
             <a:r>
-              <a:rPr lang="en-US" dirty="0"/>
+              <a:rPr lang="en-US"/>
               <a:t> </a:t>
             </a:r>
             <a:r>
-              <a:rPr lang="en-US" dirty="0" err="1"/>
+              <a:rPr lang="en-US" err="1"/>
               <a:t>utils</a:t>
             </a:r>
             <a:r>
-              <a:rPr lang="en-US" dirty="0"/>
+              <a:rPr lang="en-US"/>
               <a:t> installed in the VM (version number should match)</a:t>
             </a:r>
           </a:p>
           <a:p>
             <a:pPr lvl="2"/>
             <a:r>
-              <a:rPr lang="en-US" dirty="0"/>
+              <a:rPr lang="en-US"/>
               <a:t>Beware clock-skew between VM and host (might affect make/</a:t>
             </a:r>
             <a:r>
-              <a:rPr lang="en-US" dirty="0" err="1"/>
+              <a:rPr lang="en-US" err="1"/>
               <a:t>git</a:t>
             </a:r>
             <a:r>
-              <a:rPr lang="en-US" dirty="0"/>
+              <a:rPr lang="en-US"/>
               <a:t>)</a:t>
             </a:r>
           </a:p>
           <a:p>
             <a:pPr lvl="1"/>
             <a:r>
-              <a:rPr lang="en-US" dirty="0"/>
+              <a:rPr lang="en-US"/>
               <a:t>Use x11 forwarding (required a X11 server)</a:t>
             </a:r>
           </a:p>
           <a:p>
             <a:pPr lvl="1"/>
             <a:r>
-              <a:rPr lang="en-US" dirty="0"/>
+              <a:rPr lang="en-US"/>
               <a:t>Use </a:t>
             </a:r>
             <a:r>
-              <a:rPr lang="en-US" dirty="0" err="1"/>
+              <a:rPr lang="en-US" err="1"/>
               <a:t>rdp</a:t>
             </a:r>
             <a:r>
-              <a:rPr lang="en-US" dirty="0"/>
+              <a:rPr lang="en-US"/>
               <a:t> (requires Windows host and a </a:t>
             </a:r>
             <a:r>
-              <a:rPr lang="en-US" dirty="0" err="1"/>
+              <a:rPr lang="en-US" err="1"/>
               <a:t>rDesktop</a:t>
             </a:r>
             <a:r>
-              <a:rPr lang="en-US" dirty="0"/>
+              <a:rPr lang="en-US"/>
               <a:t>/VNC client)</a:t>
             </a:r>
           </a:p>
           <a:p>
             <a:pPr lvl="1"/>
             <a:r>
-              <a:rPr lang="en-US" dirty="0"/>
+              <a:rPr lang="en-US"/>
               <a:t>Use </a:t>
             </a:r>
             <a:r>
-              <a:rPr lang="en-US" dirty="0" err="1"/>
+              <a:rPr lang="en-US" err="1"/>
               <a:t>VirtualBox</a:t>
             </a:r>
             <a:r>
-              <a:rPr lang="en-US" dirty="0"/>
+              <a:rPr lang="en-US"/>
               <a:t> interface</a:t>
             </a:r>
           </a:p>
           <a:p>
             <a:pPr lvl="1"/>
-            <a:endParaRPr lang="en-US" dirty="0"/>
+            <a:endParaRPr lang="en-US"/>
           </a:p>
         </p:txBody>
       </p:sp>
@@ -20759,7 +20758,7 @@
               <a:rPr lang="es-ES" altLang="ko-KR"/>
               <a:t>AOS@UC</a:t>
             </a:r>
-            <a:endParaRPr lang="en-US" altLang="ko-KR" dirty="0"/>
+            <a:endParaRPr lang="en-US" altLang="ko-KR"/>
           </a:p>
         </p:txBody>
       </p:sp>
@@ -20792,38 +20791,6 @@
               <a:rPr lang="en-US" altLang="ko-KR"/>
               <a:t> </a:t>
             </a:r>
-          </a:p>
-        </p:txBody>
-      </p:sp>
-      <p:sp>
-        <p:nvSpPr>
-          <p:cNvPr id="7" name="Marcador de pie de página 6"/>
-          <p:cNvSpPr>
-            <a:spLocks noGrp="1"/>
-          </p:cNvSpPr>
-          <p:nvPr>
-            <p:ph type="ftr" sz="quarter" idx="3"/>
-          </p:nvPr>
-        </p:nvSpPr>
-        <p:spPr/>
-        <p:txBody>
-          <a:bodyPr/>
-          <a:lstStyle/>
-          <a:p>
-            <a:pPr fontAlgn="base">
-              <a:spcBef>
-                <a:spcPct val="0"/>
-              </a:spcBef>
-              <a:spcAft>
-                <a:spcPct val="0"/>
-              </a:spcAft>
-              <a:defRPr/>
-            </a:pPr>
-            <a:r>
-              <a:rPr kumimoji="1" lang="en-US" altLang="ko-KR"/>
-              <a:t>Valentin Puente</a:t>
-            </a:r>
-            <a:endParaRPr kumimoji="1" lang="ko-KR" altLang="en-US" dirty="0"/>
           </a:p>
         </p:txBody>
       </p:sp>
@@ -20871,7 +20838,7 @@
           <a:lstStyle/>
           <a:p>
             <a:r>
-              <a:rPr lang="en-US" dirty="0"/>
+              <a:rPr lang="en-US"/>
               <a:t>Other useful commands</a:t>
             </a:r>
           </a:p>
@@ -20895,21 +20862,21 @@
           <a:lstStyle/>
           <a:p>
             <a:r>
-              <a:rPr lang="en-US" dirty="0"/>
+              <a:rPr lang="en-US"/>
               <a:t>To handle instances</a:t>
             </a:r>
           </a:p>
           <a:p>
             <a:pPr lvl="1"/>
             <a:r>
-              <a:rPr lang="en-US" dirty="0"/>
+              <a:rPr lang="en-US"/>
               <a:t>To inspect the system status</a:t>
             </a:r>
           </a:p>
           <a:p>
             <a:pPr lvl="2"/>
             <a:r>
-              <a:rPr lang="en-US" dirty="0">
+              <a:rPr lang="en-US">
                 <a:latin typeface="Courier" charset="0"/>
                 <a:ea typeface="Courier" charset="0"/>
                 <a:cs typeface="Courier" charset="0"/>
@@ -20920,11 +20887,11 @@
           <a:p>
             <a:pPr lvl="1"/>
             <a:r>
-              <a:rPr lang="en-US" dirty="0"/>
-              <a:t>To delete instances use “</a:t>
-            </a:r>
-            <a:r>
-              <a:rPr lang="en-US" dirty="0">
+              <a:rPr lang="en-US"/>
+              <a:t>To delete instances, use “</a:t>
+            </a:r>
+            <a:r>
+              <a:rPr lang="en-US">
                 <a:latin typeface="Courier" charset="0"/>
                 <a:ea typeface="Courier" charset="0"/>
                 <a:cs typeface="Courier" charset="0"/>
@@ -20932,32 +20899,32 @@
               <a:t>vagrant destroy</a:t>
             </a:r>
             <a:r>
-              <a:rPr lang="en-US" dirty="0"/>
+              <a:rPr lang="en-US"/>
               <a:t>” (never delete a VM from </a:t>
             </a:r>
             <a:r>
-              <a:rPr lang="en-US" dirty="0" err="1"/>
+              <a:rPr lang="en-US" err="1"/>
               <a:t>virtualBox</a:t>
             </a:r>
             <a:r>
-              <a:rPr lang="en-US" dirty="0"/>
+              <a:rPr lang="en-US"/>
               <a:t> interface!)</a:t>
             </a:r>
           </a:p>
           <a:p>
             <a:pPr lvl="1"/>
-            <a:endParaRPr lang="en-US" dirty="0"/>
-          </a:p>
-          <a:p>
-            <a:r>
-              <a:rPr lang="en-US" dirty="0"/>
+            <a:endParaRPr lang="en-US"/>
+          </a:p>
+          <a:p>
+            <a:r>
+              <a:rPr lang="en-US"/>
               <a:t>To handle boxes</a:t>
             </a:r>
           </a:p>
           <a:p>
             <a:pPr lvl="1"/>
             <a:r>
-              <a:rPr lang="en-US" dirty="0">
+              <a:rPr lang="en-US">
                 <a:latin typeface="Courier" charset="0"/>
                 <a:ea typeface="Courier" charset="0"/>
                 <a:cs typeface="Courier" charset="0"/>
@@ -20965,14 +20932,14 @@
               <a:t>vagrant box list  </a:t>
             </a:r>
             <a:r>
-              <a:rPr lang="en-US" dirty="0"/>
+              <a:rPr lang="en-US"/>
               <a:t>-- List versions installed, that might me updated in remote server</a:t>
             </a:r>
           </a:p>
           <a:p>
             <a:pPr lvl="1"/>
             <a:r>
-              <a:rPr lang="en-US" dirty="0">
+              <a:rPr lang="en-US">
                 <a:latin typeface="Courier" charset="0"/>
                 <a:ea typeface="Courier" charset="0"/>
                 <a:cs typeface="Courier" charset="0"/>
@@ -20980,30 +20947,30 @@
               <a:t>vagrant box update </a:t>
             </a:r>
             <a:r>
-              <a:rPr lang="en-US" dirty="0"/>
+              <a:rPr lang="en-US"/>
               <a:t>-- To download updated versions of the box (</a:t>
             </a:r>
             <a:r>
-              <a:rPr lang="en-US" dirty="0" err="1"/>
+              <a:rPr lang="en-US" err="1"/>
               <a:t>v.gr</a:t>
             </a:r>
             <a:r>
-              <a:rPr lang="en-US" dirty="0"/>
+              <a:rPr lang="en-US"/>
               <a:t>. if the box is upgraded on </a:t>
             </a:r>
             <a:r>
-              <a:rPr lang="en-US" dirty="0" err="1"/>
+              <a:rPr lang="en-US" err="1"/>
               <a:t>atlas.hashicorp.com</a:t>
             </a:r>
             <a:r>
-              <a:rPr lang="en-US" dirty="0"/>
+              <a:rPr lang="en-US"/>
               <a:t>)</a:t>
             </a:r>
           </a:p>
           <a:p>
             <a:pPr lvl="1"/>
             <a:r>
-              <a:rPr lang="en-US" dirty="0">
+              <a:rPr lang="en-US">
                 <a:latin typeface="Courier" charset="0"/>
                 <a:ea typeface="Courier" charset="0"/>
                 <a:cs typeface="Courier" charset="0"/>
@@ -21011,7 +20978,7 @@
               <a:t>vagrant box remove </a:t>
             </a:r>
             <a:r>
-              <a:rPr lang="en-US" dirty="0" err="1">
+              <a:rPr lang="en-US" err="1">
                 <a:latin typeface="Courier" charset="0"/>
                 <a:ea typeface="Courier" charset="0"/>
                 <a:cs typeface="Courier" charset="0"/>
@@ -21027,23 +20994,15 @@
               <a:t>/AOSUC </a:t>
             </a:r>
             <a:r>
-              <a:rPr lang="en-US" dirty="0"/>
-              <a:t>--</a:t>
-            </a:r>
-            <a:r>
               <a:rPr lang="en-US"/>
-              <a:t>box-version 1.22 </a:t>
-            </a:r>
-            <a:r>
-              <a:rPr lang="en-US" dirty="0"/>
-              <a:t>-- cleans old version for that box</a:t>
-            </a:r>
-          </a:p>
-          <a:p>
-            <a:endParaRPr lang="en-US" dirty="0"/>
-          </a:p>
-          <a:p>
-            <a:endParaRPr lang="en-US" dirty="0"/>
+              <a:t>--box-version 1.22 -- cleans old version for that box</a:t>
+            </a:r>
+          </a:p>
+          <a:p>
+            <a:endParaRPr lang="en-US"/>
+          </a:p>
+          <a:p>
+            <a:endParaRPr lang="en-US"/>
           </a:p>
         </p:txBody>
       </p:sp>
@@ -21069,7 +21028,7 @@
               <a:rPr lang="es-ES" altLang="ko-KR"/>
               <a:t>AOS@UC</a:t>
             </a:r>
-            <a:endParaRPr lang="en-US" altLang="ko-KR" dirty="0"/>
+            <a:endParaRPr lang="en-US" altLang="ko-KR"/>
           </a:p>
         </p:txBody>
       </p:sp>
@@ -21102,38 +21061,6 @@
               <a:rPr lang="en-US" altLang="ko-KR"/>
               <a:t> </a:t>
             </a:r>
-          </a:p>
-        </p:txBody>
-      </p:sp>
-      <p:sp>
-        <p:nvSpPr>
-          <p:cNvPr id="7" name="Marcador de pie de página 6"/>
-          <p:cNvSpPr>
-            <a:spLocks noGrp="1"/>
-          </p:cNvSpPr>
-          <p:nvPr>
-            <p:ph type="ftr" sz="quarter" idx="3"/>
-          </p:nvPr>
-        </p:nvSpPr>
-        <p:spPr/>
-        <p:txBody>
-          <a:bodyPr/>
-          <a:lstStyle/>
-          <a:p>
-            <a:pPr fontAlgn="base">
-              <a:spcBef>
-                <a:spcPct val="0"/>
-              </a:spcBef>
-              <a:spcAft>
-                <a:spcPct val="0"/>
-              </a:spcAft>
-              <a:defRPr/>
-            </a:pPr>
-            <a:r>
-              <a:rPr kumimoji="1" lang="en-US" altLang="ko-KR"/>
-              <a:t>Valentin Puente</a:t>
-            </a:r>
-            <a:endParaRPr kumimoji="1" lang="ko-KR" altLang="en-US" dirty="0"/>
           </a:p>
         </p:txBody>
       </p:sp>
@@ -21182,7 +21109,9 @@
         </p:nvSpPr>
         <p:spPr/>
         <p:txBody>
-          <a:bodyPr/>
+          <a:bodyPr>
+            <a:normAutofit fontScale="90000"/>
+          </a:bodyPr>
           <a:lstStyle/>
           <a:p>
             <a:r>
@@ -21195,7 +21124,23 @@
             </a:r>
             <a:r>
               <a:rPr lang="en-US" dirty="0"/>
-              <a:t>/AOSUC  (Demo)</a:t>
+              <a:t>/AOSUC  (vagrant </a:t>
+            </a:r>
+            <a:r>
+              <a:rPr lang="en-US" dirty="0" err="1"/>
+              <a:t>init</a:t>
+            </a:r>
+            <a:r>
+              <a:rPr lang="en-US" dirty="0"/>
+              <a:t> </a:t>
+            </a:r>
+            <a:r>
+              <a:rPr lang="en-US" dirty="0" err="1"/>
+              <a:t>vpuente</a:t>
+            </a:r>
+            <a:r>
+              <a:rPr lang="en-US" dirty="0"/>
+              <a:t>/AOSUC)</a:t>
             </a:r>
           </a:p>
         </p:txBody>
@@ -21222,7 +21167,7 @@
               <a:rPr lang="es-ES" altLang="ko-KR"/>
               <a:t>AOS@UC</a:t>
             </a:r>
-            <a:endParaRPr lang="en-US" altLang="ko-KR" dirty="0"/>
+            <a:endParaRPr lang="en-US" altLang="ko-KR"/>
           </a:p>
         </p:txBody>
       </p:sp>
@@ -21260,12 +21205,18 @@
       </p:sp>
       <p:sp>
         <p:nvSpPr>
-          <p:cNvPr id="8" name="Marcador de pie de página 7"/>
+          <p:cNvPr id="9" name="Marcador de contenido 8">
+            <a:extLst>
+              <a:ext uri="{FF2B5EF4-FFF2-40B4-BE49-F238E27FC236}">
+                <a16:creationId xmlns:a16="http://schemas.microsoft.com/office/drawing/2014/main" id="{11C1191B-1131-F344-92E8-D0F3D9F20C79}"/>
+              </a:ext>
+            </a:extLst>
+          </p:cNvPr>
           <p:cNvSpPr>
             <a:spLocks noGrp="1"/>
           </p:cNvSpPr>
           <p:nvPr>
-            <p:ph type="ftr" sz="quarter" idx="3"/>
+            <p:ph idx="1"/>
           </p:nvPr>
         </p:nvSpPr>
         <p:spPr/>
@@ -21273,50 +21224,38 @@
           <a:bodyPr/>
           <a:lstStyle/>
           <a:p>
-            <a:pPr fontAlgn="base">
-              <a:spcBef>
-                <a:spcPct val="0"/>
-              </a:spcBef>
-              <a:spcAft>
-                <a:spcPct val="0"/>
-              </a:spcAft>
-              <a:defRPr/>
-            </a:pPr>
-            <a:r>
-              <a:rPr kumimoji="1" lang="en-US" altLang="ko-KR"/>
-              <a:t>Valentin Puente</a:t>
-            </a:r>
-            <a:endParaRPr kumimoji="1" lang="ko-KR" altLang="en-US" dirty="0"/>
+            <a:endParaRPr lang="en-US" dirty="0"/>
           </a:p>
         </p:txBody>
       </p:sp>
       <p:pic>
         <p:nvPicPr>
-          <p:cNvPr id="6" name="Marcador de contenido 5"/>
+          <p:cNvPr id="10" name="Imagen 9">
+            <a:extLst>
+              <a:ext uri="{FF2B5EF4-FFF2-40B4-BE49-F238E27FC236}">
+                <a16:creationId xmlns:a16="http://schemas.microsoft.com/office/drawing/2014/main" id="{F7AB797F-07B1-644F-B047-91DB7B50BEC1}"/>
+              </a:ext>
+            </a:extLst>
+          </p:cNvPr>
           <p:cNvPicPr>
-            <a:picLocks noGrp="1" noChangeAspect="1"/>
+            <a:picLocks noChangeAspect="1"/>
           </p:cNvPicPr>
-          <p:nvPr>
-            <p:ph idx="1"/>
-          </p:nvPr>
+          <p:nvPr/>
         </p:nvPicPr>
         <p:blipFill>
-          <a:blip r:embed="rId2">
-            <a:extLst>
-              <a:ext uri="{28A0092B-C50C-407E-A947-70E740481C1C}">
-                <a14:useLocalDpi xmlns:a14="http://schemas.microsoft.com/office/drawing/2010/main" val="0"/>
-              </a:ext>
-            </a:extLst>
-          </a:blip>
+          <a:blip r:embed="rId2"/>
           <a:stretch>
             <a:fillRect/>
           </a:stretch>
         </p:blipFill>
         <p:spPr>
           <a:xfrm>
-            <a:off x="1756184" y="879475"/>
-            <a:ext cx="5703069" cy="5562600"/>
+            <a:off x="1588570" y="822520"/>
+            <a:ext cx="6038298" cy="5800726"/>
           </a:xfrm>
+          <a:prstGeom prst="rect">
+            <a:avLst/>
+          </a:prstGeom>
         </p:spPr>
       </p:pic>
     </p:spTree>
@@ -21368,7 +21307,7 @@
           <a:lstStyle/>
           <a:p>
             <a:r>
-              <a:rPr lang="en-US" dirty="0"/>
+              <a:rPr lang="en-US"/>
               <a:t>Advantages</a:t>
             </a:r>
           </a:p>
@@ -21387,7 +21326,7 @@
         <p:spPr/>
         <p:txBody>
           <a:bodyPr>
-            <a:normAutofit fontScale="92500" lnSpcReduction="10000"/>
+            <a:normAutofit fontScale="92500" lnSpcReduction="20000"/>
           </a:bodyPr>
           <a:lstStyle/>
           <a:p>
@@ -21407,7 +21346,15 @@
             <a:pPr lvl="1"/>
             <a:r>
               <a:rPr lang="en-US" dirty="0"/>
-              <a:t>Use it many times in many different contexts (v.gr. a particular lab or section)</a:t>
+              <a:t>Use it many times in many different contexts (</a:t>
+            </a:r>
+            <a:r>
+              <a:rPr lang="en-US" dirty="0" err="1"/>
+              <a:t>v.gr</a:t>
+            </a:r>
+            <a:r>
+              <a:rPr lang="en-US" dirty="0"/>
+              <a:t>. a particular lab or section)</a:t>
             </a:r>
           </a:p>
           <a:p>
@@ -21436,22 +21383,30 @@
           <a:p>
             <a:r>
               <a:rPr lang="en-US" dirty="0"/>
-              <a:t>Allows to run the box to any provider (beyond </a:t>
+              <a:t>Allows to run the box to any provider (beyond VirtualBox)</a:t>
+            </a:r>
+          </a:p>
+          <a:p>
+            <a:pPr lvl="1"/>
+            <a:r>
+              <a:rPr lang="en-US" dirty="0"/>
+              <a:t>Local (i.e., </a:t>
             </a:r>
             <a:r>
               <a:rPr lang="en-US" dirty="0" err="1"/>
-              <a:t>VirtualBox</a:t>
+              <a:t>hyper-v</a:t>
             </a:r>
             <a:r>
               <a:rPr lang="en-US" dirty="0"/>
-              <a:t>)</a:t>
-            </a:r>
-          </a:p>
-          <a:p>
-            <a:pPr lvl="1"/>
+              <a:t>, </a:t>
+            </a:r>
+            <a:r>
+              <a:rPr lang="en-US" dirty="0" err="1"/>
+              <a:t>kvm</a:t>
+            </a:r>
             <a:r>
               <a:rPr lang="en-US" dirty="0"/>
-              <a:t>Local or external (i.e. Cloud provider such as AWS, GCE, Azure, etc…)</a:t>
+              <a:t>, …) or external (i.e., Cloud provider such as AWS, GCE, Azure)</a:t>
             </a:r>
           </a:p>
           <a:p>
@@ -21568,7 +21523,7 @@
               <a:rPr lang="es-ES" altLang="ko-KR"/>
               <a:t>AOS@UC</a:t>
             </a:r>
-            <a:endParaRPr lang="en-US" altLang="ko-KR" dirty="0"/>
+            <a:endParaRPr lang="en-US" altLang="ko-KR"/>
           </a:p>
         </p:txBody>
       </p:sp>
@@ -21601,38 +21556,6 @@
               <a:rPr lang="en-US" altLang="ko-KR"/>
               <a:t> </a:t>
             </a:r>
-          </a:p>
-        </p:txBody>
-      </p:sp>
-      <p:sp>
-        <p:nvSpPr>
-          <p:cNvPr id="7" name="Marcador de pie de página 6"/>
-          <p:cNvSpPr>
-            <a:spLocks noGrp="1"/>
-          </p:cNvSpPr>
-          <p:nvPr>
-            <p:ph type="ftr" sz="quarter" idx="3"/>
-          </p:nvPr>
-        </p:nvSpPr>
-        <p:spPr/>
-        <p:txBody>
-          <a:bodyPr/>
-          <a:lstStyle/>
-          <a:p>
-            <a:pPr fontAlgn="base">
-              <a:spcBef>
-                <a:spcPct val="0"/>
-              </a:spcBef>
-              <a:spcAft>
-                <a:spcPct val="0"/>
-              </a:spcAft>
-              <a:defRPr/>
-            </a:pPr>
-            <a:r>
-              <a:rPr kumimoji="1" lang="en-US" altLang="ko-KR"/>
-              <a:t>Valentin Puente</a:t>
-            </a:r>
-            <a:endParaRPr kumimoji="1" lang="ko-KR" altLang="en-US" dirty="0"/>
           </a:p>
         </p:txBody>
       </p:sp>
@@ -21680,7 +21603,7 @@
           <a:lstStyle/>
           <a:p>
             <a:r>
-              <a:rPr lang="en-US" dirty="0"/>
+              <a:rPr lang="en-US"/>
               <a:t>There are other options?</a:t>
             </a:r>
           </a:p>
@@ -21702,99 +21625,91 @@
           <a:lstStyle/>
           <a:p>
             <a:r>
-              <a:rPr lang="en-US" dirty="0"/>
+              <a:rPr lang="en-US"/>
               <a:t>It’s possible to do the lab natively in:</a:t>
             </a:r>
           </a:p>
           <a:p>
             <a:pPr lvl="1"/>
             <a:r>
-              <a:rPr lang="en-US" dirty="0"/>
+              <a:rPr lang="en-US"/>
               <a:t>Linux (ugh)</a:t>
             </a:r>
           </a:p>
           <a:p>
             <a:pPr lvl="1"/>
             <a:r>
-              <a:rPr lang="en-US" dirty="0"/>
+              <a:rPr lang="en-US"/>
               <a:t>Windows 10 </a:t>
             </a:r>
           </a:p>
           <a:p>
             <a:pPr lvl="2"/>
             <a:r>
-              <a:rPr lang="en-US" dirty="0"/>
-              <a:t>Using </a:t>
-            </a:r>
-            <a:r>
-              <a:rPr lang="en-US" dirty="0" err="1"/>
-              <a:t>linux</a:t>
-            </a:r>
-            <a:r>
-              <a:rPr lang="en-US" dirty="0"/>
-              <a:t> subsystem </a:t>
+              <a:rPr lang="en-US"/>
+              <a:t>Using Windows Subsystem Linux 2 (WSL2)</a:t>
             </a:r>
           </a:p>
           <a:p>
             <a:pPr lvl="2"/>
             <a:r>
-              <a:rPr lang="en-US" dirty="0">
+              <a:rPr lang="en-US">
                 <a:hlinkClick r:id="rId2"/>
               </a:rPr>
               <a:t>https://msdn.microsoft.com/es-es/commandline/wsl/install_guide</a:t>
             </a:r>
-            <a:endParaRPr lang="en-US" dirty="0"/>
+            <a:endParaRPr lang="en-US"/>
           </a:p>
           <a:p>
             <a:pPr lvl="1"/>
             <a:r>
-              <a:rPr lang="en-US" dirty="0" err="1"/>
+              <a:rPr lang="en-US" err="1"/>
               <a:t>osX</a:t>
             </a:r>
-            <a:endParaRPr lang="en-US" dirty="0"/>
+            <a:endParaRPr lang="en-US"/>
           </a:p>
           <a:p>
             <a:pPr lvl="2"/>
             <a:r>
-              <a:rPr lang="en-US" dirty="0"/>
+              <a:rPr lang="en-US"/>
               <a:t>Using port or brew</a:t>
             </a:r>
           </a:p>
           <a:p>
             <a:pPr lvl="2"/>
             <a:r>
-              <a:rPr lang="en-US" dirty="0">
+              <a:rPr lang="en-US">
                 <a:hlinkClick r:id="rId3"/>
               </a:rPr>
               <a:t>https://stackoverflow.com/questions/39052271/compile-xv6-on-mac</a:t>
             </a:r>
-            <a:endParaRPr lang="en-US" dirty="0"/>
+            <a:endParaRPr lang="en-US"/>
           </a:p>
           <a:p>
             <a:pPr lvl="1"/>
-            <a:endParaRPr lang="en-US" dirty="0"/>
-          </a:p>
-          <a:p>
-            <a:r>
-              <a:rPr lang="en-US" dirty="0"/>
+            <a:endParaRPr lang="en-US"/>
+          </a:p>
+          <a:p>
+            <a:r>
+              <a:rPr lang="en-US"/>
               <a:t>My advice?</a:t>
             </a:r>
           </a:p>
           <a:p>
             <a:pPr lvl="1"/>
             <a:r>
-              <a:rPr lang="en-US" dirty="0"/>
+              <a:rPr lang="en-US"/>
               <a:t>Pick your choice</a:t>
             </a:r>
             <a:r>
-              <a:rPr lang="mr-IN" dirty="0"/>
+              <a:rPr lang="mr-IN"/>
               <a:t>…</a:t>
             </a:r>
             <a:r>
-              <a:rPr lang="es-ES" dirty="0"/>
+              <a:rPr lang="es-ES"/>
               <a:t> </a:t>
             </a:r>
-            <a:endParaRPr lang="en-US" dirty="0"/>
+            <a:endParaRPr lang="en-US"/>
           </a:p>
         </p:txBody>
       </p:sp>
@@ -21820,7 +21735,7 @@
               <a:rPr lang="es-ES" altLang="ko-KR"/>
               <a:t>AOS@UC</a:t>
             </a:r>
-            <a:endParaRPr lang="en-US" altLang="ko-KR" dirty="0"/>
+            <a:endParaRPr lang="en-US" altLang="ko-KR"/>
           </a:p>
         </p:txBody>
       </p:sp>
@@ -21853,38 +21768,6 @@
               <a:rPr lang="en-US" altLang="ko-KR"/>
               <a:t> </a:t>
             </a:r>
-          </a:p>
-        </p:txBody>
-      </p:sp>
-      <p:sp>
-        <p:nvSpPr>
-          <p:cNvPr id="6" name="Marcador de pie de página 5"/>
-          <p:cNvSpPr>
-            <a:spLocks noGrp="1"/>
-          </p:cNvSpPr>
-          <p:nvPr>
-            <p:ph type="ftr" sz="quarter" idx="3"/>
-          </p:nvPr>
-        </p:nvSpPr>
-        <p:spPr/>
-        <p:txBody>
-          <a:bodyPr/>
-          <a:lstStyle/>
-          <a:p>
-            <a:pPr fontAlgn="base">
-              <a:spcBef>
-                <a:spcPct val="0"/>
-              </a:spcBef>
-              <a:spcAft>
-                <a:spcPct val="0"/>
-              </a:spcAft>
-              <a:defRPr/>
-            </a:pPr>
-            <a:r>
-              <a:rPr kumimoji="1" lang="en-US" altLang="ko-KR"/>
-              <a:t>Valentin Puente</a:t>
-            </a:r>
-            <a:endParaRPr kumimoji="1" lang="ko-KR" altLang="en-US" dirty="0"/>
           </a:p>
         </p:txBody>
       </p:sp>
@@ -21937,7 +21820,7 @@
           <a:lstStyle/>
           <a:p>
             <a:r>
-              <a:rPr lang="en-US" dirty="0"/>
+              <a:rPr lang="en-US"/>
               <a:t>Others</a:t>
             </a:r>
           </a:p>
@@ -22070,7 +21953,19 @@
             </a:r>
             <a:r>
               <a:rPr lang="en-US" dirty="0"/>
-              <a:t>, VSC, </a:t>
+              <a:t>, </a:t>
+            </a:r>
+            <a:r>
+              <a:rPr lang="en-US" b="1" dirty="0">
+                <a:solidFill>
+                  <a:srgbClr val="FF0000"/>
+                </a:solidFill>
+              </a:rPr>
+              <a:t>VSC</a:t>
+            </a:r>
+            <a:r>
+              <a:rPr lang="en-US" dirty="0"/>
+              <a:t>, </a:t>
             </a:r>
             <a:r>
               <a:rPr lang="en-US" dirty="0" err="1"/>
@@ -22109,7 +22004,7 @@
               <a:rPr lang="es-ES" altLang="ko-KR"/>
               <a:t>AOS@UC</a:t>
             </a:r>
-            <a:endParaRPr lang="en-US" altLang="ko-KR" dirty="0"/>
+            <a:endParaRPr lang="en-US" altLang="ko-KR"/>
           </a:p>
         </p:txBody>
       </p:sp>
@@ -22142,38 +22037,6 @@
               <a:rPr lang="en-US" altLang="ko-KR"/>
               <a:t> </a:t>
             </a:r>
-          </a:p>
-        </p:txBody>
-      </p:sp>
-      <p:sp>
-        <p:nvSpPr>
-          <p:cNvPr id="6" name="Marcador de pie de página 5"/>
-          <p:cNvSpPr>
-            <a:spLocks noGrp="1"/>
-          </p:cNvSpPr>
-          <p:nvPr>
-            <p:ph type="ftr" sz="quarter" idx="3"/>
-          </p:nvPr>
-        </p:nvSpPr>
-        <p:spPr/>
-        <p:txBody>
-          <a:bodyPr/>
-          <a:lstStyle/>
-          <a:p>
-            <a:pPr fontAlgn="base">
-              <a:spcBef>
-                <a:spcPct val="0"/>
-              </a:spcBef>
-              <a:spcAft>
-                <a:spcPct val="0"/>
-              </a:spcAft>
-              <a:defRPr/>
-            </a:pPr>
-            <a:r>
-              <a:rPr kumimoji="1" lang="en-US" altLang="ko-KR"/>
-              <a:t>Valentin Puente</a:t>
-            </a:r>
-            <a:endParaRPr kumimoji="1" lang="ko-KR" altLang="en-US" dirty="0"/>
           </a:p>
         </p:txBody>
       </p:sp>

--- a/Info/00_Intro.pptx
+++ b/Info/00_Intro.pptx
@@ -262,7 +262,7 @@
             <a:fld id="{06EAAA8B-8A33-714F-B3A4-08A75FDC36E6}" type="datetimeFigureOut">
               <a:rPr lang="en-US" smtClean="0"/>
               <a:pPr/>
-              <a:t>9/6/21</a:t>
+              <a:t>9/7/21</a:t>
             </a:fld>
             <a:endParaRPr lang="en-US"/>
           </a:p>
@@ -429,7 +429,7 @@
             <a:fld id="{050F0499-AE52-4672-879B-3107B2FC2A9F}" type="datetimeFigureOut">
               <a:rPr lang="ko-KR" altLang="en-US" smtClean="0"/>
               <a:pPr/>
-              <a:t>2021. 9. 6.</a:t>
+              <a:t>2021. 9. 7.</a:t>
             </a:fld>
             <a:endParaRPr lang="ko-KR" altLang="en-US"/>
           </a:p>
@@ -1027,6 +1027,99 @@
     <p:extLst>
       <p:ext uri="{BB962C8B-B14F-4D97-AF65-F5344CB8AC3E}">
         <p14:creationId xmlns:p14="http://schemas.microsoft.com/office/powerpoint/2010/main" val="1105507423"/>
+      </p:ext>
+    </p:extLst>
+  </p:cSld>
+  <p:clrMapOvr>
+    <a:masterClrMapping/>
+  </p:clrMapOvr>
+</p:notes>
+</file>
+
+<file path=ppt/notesSlides/notesSlide5.xml><?xml version="1.0" encoding="utf-8"?>
+<p:notes xmlns:a="http://schemas.openxmlformats.org/drawingml/2006/main" xmlns:r="http://schemas.openxmlformats.org/officeDocument/2006/relationships" xmlns:p="http://schemas.openxmlformats.org/presentationml/2006/main">
+  <p:cSld>
+    <p:spTree>
+      <p:nvGrpSpPr>
+        <p:cNvPr id="1" name=""/>
+        <p:cNvGrpSpPr/>
+        <p:nvPr/>
+      </p:nvGrpSpPr>
+      <p:grpSpPr>
+        <a:xfrm>
+          <a:off x="0" y="0"/>
+          <a:ext cx="0" cy="0"/>
+          <a:chOff x="0" y="0"/>
+          <a:chExt cx="0" cy="0"/>
+        </a:xfrm>
+      </p:grpSpPr>
+      <p:sp>
+        <p:nvSpPr>
+          <p:cNvPr id="2" name="Marcador de imagen de diapositiva 1"/>
+          <p:cNvSpPr>
+            <a:spLocks noGrp="1" noRot="1" noChangeAspect="1"/>
+          </p:cNvSpPr>
+          <p:nvPr>
+            <p:ph type="sldImg"/>
+          </p:nvPr>
+        </p:nvSpPr>
+        <p:spPr/>
+      </p:sp>
+      <p:sp>
+        <p:nvSpPr>
+          <p:cNvPr id="3" name="Marcador de notas 2"/>
+          <p:cNvSpPr>
+            <a:spLocks noGrp="1"/>
+          </p:cNvSpPr>
+          <p:nvPr>
+            <p:ph type="body" idx="1"/>
+          </p:nvPr>
+        </p:nvSpPr>
+        <p:spPr>
+          <a:xfrm>
+            <a:off x="679450" y="4778375"/>
+            <a:ext cx="5438775" cy="3908425"/>
+          </a:xfrm>
+          <a:prstGeom prst="rect">
+            <a:avLst/>
+          </a:prstGeom>
+        </p:spPr>
+        <p:txBody>
+          <a:bodyPr/>
+          <a:lstStyle/>
+          <a:p>
+            <a:endParaRPr lang="en-US" dirty="0"/>
+          </a:p>
+        </p:txBody>
+      </p:sp>
+      <p:sp>
+        <p:nvSpPr>
+          <p:cNvPr id="4" name="Marcador de número de diapositiva 3"/>
+          <p:cNvSpPr>
+            <a:spLocks noGrp="1"/>
+          </p:cNvSpPr>
+          <p:nvPr>
+            <p:ph type="sldNum" sz="quarter" idx="5"/>
+          </p:nvPr>
+        </p:nvSpPr>
+        <p:spPr/>
+        <p:txBody>
+          <a:bodyPr/>
+          <a:lstStyle/>
+          <a:p>
+            <a:fld id="{E9CED1A8-8C93-4BD0-9402-1D92621696DA}" type="slidenum">
+              <a:rPr lang="ko-KR" altLang="en-US" smtClean="0"/>
+              <a:pPr/>
+              <a:t>9</a:t>
+            </a:fld>
+            <a:endParaRPr lang="ko-KR" altLang="en-US"/>
+          </a:p>
+        </p:txBody>
+      </p:sp>
+    </p:spTree>
+    <p:extLst>
+      <p:ext uri="{BB962C8B-B14F-4D97-AF65-F5344CB8AC3E}">
+        <p14:creationId xmlns:p14="http://schemas.microsoft.com/office/powerpoint/2010/main" val="1903049502"/>
       </p:ext>
     </p:extLst>
   </p:cSld>
@@ -21867,93 +21960,15 @@
                   <a:srgbClr val="FF0000"/>
                 </a:solidFill>
               </a:rPr>
-              <a:t>Visual Source Code</a:t>
-            </a:r>
-          </a:p>
-          <a:p>
-            <a:pPr lvl="1"/>
-            <a:r>
-              <a:rPr lang="en-US" dirty="0" err="1"/>
-              <a:t>SublimeText</a:t>
-            </a:r>
-            <a:endParaRPr lang="en-US" dirty="0"/>
-          </a:p>
-          <a:p>
-            <a:pPr lvl="1"/>
-            <a:r>
-              <a:rPr lang="en-US" dirty="0"/>
-              <a:t>Atom</a:t>
-            </a:r>
-          </a:p>
-          <a:p>
-            <a:pPr lvl="1"/>
-            <a:r>
-              <a:rPr lang="mr-IN" dirty="0"/>
-              <a:t>…</a:t>
-            </a:r>
-            <a:endParaRPr lang="es-ES" dirty="0"/>
-          </a:p>
-          <a:p>
-            <a:pPr lvl="1"/>
-            <a:endParaRPr lang="es-ES" dirty="0"/>
-          </a:p>
-          <a:p>
-            <a:r>
-              <a:rPr lang="es-ES" dirty="0" err="1"/>
-              <a:t>Debugger</a:t>
-            </a:r>
-            <a:endParaRPr lang="es-ES" dirty="0"/>
-          </a:p>
-          <a:p>
-            <a:pPr lvl="1"/>
-            <a:r>
-              <a:rPr lang="es-ES" dirty="0" err="1"/>
-              <a:t>Remote-debug</a:t>
-            </a:r>
-            <a:r>
-              <a:rPr lang="es-ES" dirty="0"/>
-              <a:t> (to QEMU)</a:t>
-            </a:r>
-          </a:p>
-          <a:p>
-            <a:pPr lvl="1"/>
-            <a:r>
-              <a:rPr lang="es-ES" dirty="0" err="1"/>
-              <a:t>gdb</a:t>
-            </a:r>
-            <a:r>
-              <a:rPr lang="es-ES" dirty="0"/>
-              <a:t> </a:t>
-            </a:r>
-            <a:r>
-              <a:rPr lang="es-ES" dirty="0">
-                <a:hlinkClick r:id="rId2"/>
+              <a:t>Visual Studio Code (o </a:t>
+            </a:r>
+            <a:r>
+              <a:rPr lang="en-US" b="1" dirty="0" err="1">
+                <a:solidFill>
+                  <a:srgbClr val="FF0000"/>
+                </a:solidFill>
               </a:rPr>
-              <a:t>http://beej.us/guide/bggdb/</a:t>
-            </a:r>
-            <a:endParaRPr lang="en-US" dirty="0"/>
-          </a:p>
-          <a:p>
-            <a:pPr lvl="1"/>
-            <a:r>
-              <a:rPr lang="en-US" dirty="0"/>
-              <a:t>Other </a:t>
-            </a:r>
-            <a:r>
-              <a:rPr lang="en-US" dirty="0" err="1"/>
-              <a:t>gdb</a:t>
-            </a:r>
-            <a:r>
-              <a:rPr lang="en-US" dirty="0"/>
-              <a:t> frontends (</a:t>
-            </a:r>
-            <a:r>
-              <a:rPr lang="en-US" dirty="0" err="1"/>
-              <a:t>ddd</a:t>
-            </a:r>
-            <a:r>
-              <a:rPr lang="en-US" dirty="0"/>
-              <a:t>, </a:t>
+              <a:t>VSCodium</a:t>
             </a:r>
             <a:r>
               <a:rPr lang="en-US" b="1" dirty="0">
@@ -21961,10 +21976,104 @@
                   <a:srgbClr val="FF0000"/>
                 </a:solidFill>
               </a:rPr>
-              <a:t>VSC</a:t>
-            </a:r>
+              <a:t>)</a:t>
+            </a:r>
+          </a:p>
+          <a:p>
+            <a:pPr lvl="1"/>
+            <a:r>
+              <a:rPr lang="en-US" dirty="0" err="1"/>
+              <a:t>SublimeText</a:t>
+            </a:r>
+            <a:endParaRPr lang="en-US" dirty="0"/>
+          </a:p>
+          <a:p>
+            <a:pPr lvl="1"/>
             <a:r>
               <a:rPr lang="en-US" dirty="0"/>
+              <a:t>Atom</a:t>
+            </a:r>
+          </a:p>
+          <a:p>
+            <a:pPr lvl="1"/>
+            <a:r>
+              <a:rPr lang="mr-IN" dirty="0"/>
+              <a:t>…</a:t>
+            </a:r>
+            <a:endParaRPr lang="es-ES" dirty="0"/>
+          </a:p>
+          <a:p>
+            <a:pPr lvl="1"/>
+            <a:endParaRPr lang="es-ES" dirty="0"/>
+          </a:p>
+          <a:p>
+            <a:r>
+              <a:rPr lang="es-ES" dirty="0" err="1"/>
+              <a:t>Debugger</a:t>
+            </a:r>
+            <a:endParaRPr lang="es-ES" dirty="0"/>
+          </a:p>
+          <a:p>
+            <a:pPr lvl="1"/>
+            <a:r>
+              <a:rPr lang="es-ES" dirty="0" err="1"/>
+              <a:t>Remote-debug</a:t>
+            </a:r>
+            <a:r>
+              <a:rPr lang="es-ES" dirty="0"/>
+              <a:t> (to QEMU)</a:t>
+            </a:r>
+          </a:p>
+          <a:p>
+            <a:pPr lvl="1"/>
+            <a:r>
+              <a:rPr lang="es-ES" dirty="0" err="1"/>
+              <a:t>gdb</a:t>
+            </a:r>
+            <a:r>
+              <a:rPr lang="es-ES" dirty="0"/>
+              <a:t> </a:t>
+            </a:r>
+            <a:r>
+              <a:rPr lang="es-ES" dirty="0">
+                <a:hlinkClick r:id="rId3"/>
+              </a:rPr>
+              <a:t>http://beej.us/guide/bggdb/</a:t>
+            </a:r>
+            <a:endParaRPr lang="en-US" dirty="0"/>
+          </a:p>
+          <a:p>
+            <a:pPr lvl="1"/>
+            <a:r>
+              <a:rPr lang="en-US" dirty="0"/>
+              <a:t>Other </a:t>
+            </a:r>
+            <a:r>
+              <a:rPr lang="en-US" dirty="0" err="1"/>
+              <a:t>gdb</a:t>
+            </a:r>
+            <a:r>
+              <a:rPr lang="en-US" dirty="0"/>
+              <a:t> frontends (</a:t>
+            </a:r>
+            <a:r>
+              <a:rPr lang="en-US" dirty="0" err="1"/>
+              <a:t>ddd</a:t>
+            </a:r>
+            <a:r>
+              <a:rPr lang="en-US" dirty="0"/>
+              <a:t>, </a:t>
+            </a:r>
+            <a:r>
+              <a:rPr lang="en-US" b="1">
+                <a:solidFill>
+                  <a:srgbClr val="FF0000"/>
+                </a:solidFill>
+              </a:rPr>
+              <a:t>VSCode</a:t>
+            </a:r>
+            <a:r>
+              <a:rPr lang="en-US"/>
               <a:t>, </a:t>
             </a:r>
             <a:r>
